--- a/Documentation/Review 1.pptx
+++ b/Documentation/Review 1.pptx
@@ -5,7 +5,7 @@
     <p:sldMasterId id="2147483648" r:id="rId4"/>
   </p:sldMasterIdLst>
   <p:notesMasterIdLst>
-    <p:notesMasterId r:id="rId24"/>
+    <p:notesMasterId r:id="rId26"/>
   </p:notesMasterIdLst>
   <p:sldIdLst>
     <p:sldId id="266" r:id="rId5"/>
@@ -15,18 +15,20 @@
     <p:sldId id="278" r:id="rId9"/>
     <p:sldId id="295" r:id="rId10"/>
     <p:sldId id="281" r:id="rId11"/>
-    <p:sldId id="289" r:id="rId12"/>
-    <p:sldId id="283" r:id="rId13"/>
-    <p:sldId id="290" r:id="rId14"/>
-    <p:sldId id="291" r:id="rId15"/>
-    <p:sldId id="287" r:id="rId16"/>
-    <p:sldId id="297" r:id="rId17"/>
-    <p:sldId id="298" r:id="rId18"/>
-    <p:sldId id="299" r:id="rId19"/>
-    <p:sldId id="300" r:id="rId20"/>
-    <p:sldId id="286" r:id="rId21"/>
-    <p:sldId id="294" r:id="rId22"/>
-    <p:sldId id="276" r:id="rId23"/>
+    <p:sldId id="301" r:id="rId12"/>
+    <p:sldId id="289" r:id="rId13"/>
+    <p:sldId id="302" r:id="rId14"/>
+    <p:sldId id="283" r:id="rId15"/>
+    <p:sldId id="290" r:id="rId16"/>
+    <p:sldId id="291" r:id="rId17"/>
+    <p:sldId id="287" r:id="rId18"/>
+    <p:sldId id="297" r:id="rId19"/>
+    <p:sldId id="298" r:id="rId20"/>
+    <p:sldId id="299" r:id="rId21"/>
+    <p:sldId id="300" r:id="rId22"/>
+    <p:sldId id="286" r:id="rId23"/>
+    <p:sldId id="294" r:id="rId24"/>
+    <p:sldId id="276" r:id="rId25"/>
   </p:sldIdLst>
   <p:sldSz cx="12192000" cy="6858000"/>
   <p:notesSz cx="6858000" cy="9144000"/>
@@ -215,7 +217,7 @@
           <a:p>
             <a:fld id="{DCD81C89-AC0D-4BFF-9223-D3157C1DDC5B}" type="datetimeFigureOut">
               <a:rPr lang="en-US" smtClean="0"/>
-              <a:t>8/11/2025</a:t>
+              <a:t>8/12/2025</a:t>
             </a:fld>
             <a:endParaRPr lang="en-US" dirty="0"/>
           </a:p>
@@ -1022,7 +1024,7 @@
           <a:p>
             <a:fld id="{E7B41ED8-AC2E-4560-8CC9-E6292DDF25B6}" type="datetime1">
               <a:rPr lang="en-US" smtClean="0"/>
-              <a:t>8/11/2025</a:t>
+              <a:t>8/12/2025</a:t>
             </a:fld>
             <a:endParaRPr lang="en-US" dirty="0"/>
           </a:p>
@@ -1513,7 +1515,7 @@
           <a:p>
             <a:fld id="{E7B41ED8-AC2E-4560-8CC9-E6292DDF25B6}" type="datetime1">
               <a:rPr lang="en-US" smtClean="0"/>
-              <a:t>8/11/2025</a:t>
+              <a:t>8/12/2025</a:t>
             </a:fld>
             <a:endParaRPr lang="en-US" dirty="0"/>
           </a:p>
@@ -2326,7 +2328,7 @@
           <a:p>
             <a:fld id="{E7B41ED8-AC2E-4560-8CC9-E6292DDF25B6}" type="datetime1">
               <a:rPr lang="en-US" smtClean="0"/>
-              <a:t>8/11/2025</a:t>
+              <a:t>8/12/2025</a:t>
             </a:fld>
             <a:endParaRPr lang="en-US" dirty="0"/>
           </a:p>
@@ -2575,7 +2577,7 @@
           <a:p>
             <a:fld id="{E7B41ED8-AC2E-4560-8CC9-E6292DDF25B6}" type="datetime1">
               <a:rPr lang="en-US" smtClean="0"/>
-              <a:t>8/11/2025</a:t>
+              <a:t>8/12/2025</a:t>
             </a:fld>
             <a:endParaRPr lang="en-US" dirty="0"/>
           </a:p>
@@ -2895,7 +2897,7 @@
           <a:p>
             <a:fld id="{E7B41ED8-AC2E-4560-8CC9-E6292DDF25B6}" type="datetime1">
               <a:rPr lang="en-US" smtClean="0"/>
-              <a:t>8/11/2025</a:t>
+              <a:t>8/12/2025</a:t>
             </a:fld>
             <a:endParaRPr lang="en-US" dirty="0"/>
           </a:p>
@@ -3111,7 +3113,7 @@
           <a:p>
             <a:fld id="{E7B41ED8-AC2E-4560-8CC9-E6292DDF25B6}" type="datetime1">
               <a:rPr lang="en-US" smtClean="0"/>
-              <a:t>8/11/2025</a:t>
+              <a:t>8/12/2025</a:t>
             </a:fld>
             <a:endParaRPr lang="en-US" dirty="0"/>
           </a:p>
@@ -3507,7 +3509,7 @@
           <a:p>
             <a:fld id="{5CB83234-995D-4149-8E1E-BC120E9070D5}" type="datetime1">
               <a:rPr lang="en-US" smtClean="0"/>
-              <a:t>8/11/2025</a:t>
+              <a:t>8/12/2025</a:t>
             </a:fld>
             <a:endParaRPr lang="en-US" dirty="0"/>
           </a:p>
@@ -4201,6 +4203,484 @@
       </p:grpSpPr>
       <p:sp>
         <p:nvSpPr>
+          <p:cNvPr id="5" name="Title 4">
+            <a:extLst>
+              <a:ext uri="{FF2B5EF4-FFF2-40B4-BE49-F238E27FC236}">
+                <a16:creationId xmlns:a16="http://schemas.microsoft.com/office/drawing/2014/main" id="{E04D22D7-CDCB-4EB6-849B-B0B0807DC34F}"/>
+              </a:ext>
+            </a:extLst>
+          </p:cNvPr>
+          <p:cNvSpPr>
+            <a:spLocks noGrp="1"/>
+          </p:cNvSpPr>
+          <p:nvPr>
+            <p:ph type="title"/>
+          </p:nvPr>
+        </p:nvSpPr>
+        <p:spPr>
+          <a:xfrm>
+            <a:off x="1233948" y="548149"/>
+            <a:ext cx="10149840" cy="936522"/>
+          </a:xfrm>
+        </p:spPr>
+        <p:txBody>
+          <a:bodyPr>
+            <a:normAutofit fontScale="90000"/>
+          </a:bodyPr>
+          <a:lstStyle/>
+          <a:p>
+            <a:r>
+              <a:rPr lang="en-IN" dirty="0"/>
+              <a:t>Phase 1 Formulas:</a:t>
+            </a:r>
+            <a:br>
+              <a:rPr lang="en-IN" dirty="0"/>
+            </a:br>
+            <a:endParaRPr lang="en-IN" dirty="0"/>
+          </a:p>
+        </p:txBody>
+      </p:sp>
+      <p:sp>
+        <p:nvSpPr>
+          <p:cNvPr id="6" name="Content Placeholder 5">
+            <a:extLst>
+              <a:ext uri="{FF2B5EF4-FFF2-40B4-BE49-F238E27FC236}">
+                <a16:creationId xmlns:a16="http://schemas.microsoft.com/office/drawing/2014/main" id="{A15633DF-F1B5-7EA7-FBE1-1E950F72280E}"/>
+              </a:ext>
+            </a:extLst>
+          </p:cNvPr>
+          <p:cNvSpPr>
+            <a:spLocks noGrp="1"/>
+          </p:cNvSpPr>
+          <p:nvPr>
+            <p:ph idx="13"/>
+          </p:nvPr>
+        </p:nvSpPr>
+        <p:spPr/>
+        <p:txBody>
+          <a:bodyPr>
+            <a:normAutofit fontScale="77500" lnSpcReduction="20000"/>
+          </a:bodyPr>
+          <a:lstStyle/>
+          <a:p>
+            <a:r>
+              <a:rPr lang="en-IN" dirty="0"/>
+              <a:t>Reward for Assigning Task:</a:t>
+            </a:r>
+          </a:p>
+          <a:p>
+            <a:r>
+              <a:rPr lang="en-IN" dirty="0" err="1"/>
+              <a:t>Ri,j</a:t>
+            </a:r>
+            <a:r>
+              <a:rPr lang="en-IN" i="1" dirty="0" err="1"/>
+              <a:t>Ri</a:t>
+            </a:r>
+            <a:r>
+              <a:rPr lang="en-IN" dirty="0" err="1"/>
+              <a:t>,</a:t>
+            </a:r>
+            <a:r>
+              <a:rPr lang="en-IN" i="1" dirty="0" err="1"/>
+              <a:t>jNet</a:t>
+            </a:r>
+            <a:r>
+              <a:rPr lang="en-IN" i="1" dirty="0"/>
+              <a:t> profit earned by assigning</a:t>
+            </a:r>
+            <a:r>
+              <a:rPr lang="en-IN" dirty="0"/>
+              <a:t> task </a:t>
+            </a:r>
+            <a:r>
+              <a:rPr lang="en-IN" i="1" dirty="0"/>
+              <a:t>ii to</a:t>
+            </a:r>
+            <a:r>
+              <a:rPr lang="en-IN" dirty="0"/>
+              <a:t> server </a:t>
+            </a:r>
+            <a:r>
+              <a:rPr lang="en-IN" i="1" dirty="0" err="1"/>
+              <a:t>jj</a:t>
+            </a:r>
+            <a:r>
+              <a:rPr lang="en-IN" i="1" dirty="0"/>
+              <a:t>.</a:t>
+            </a:r>
+            <a:endParaRPr lang="en-IN" dirty="0"/>
+          </a:p>
+          <a:p>
+            <a:r>
+              <a:rPr lang="en-IN" dirty="0"/>
+              <a:t>Extra Power Consumption:</a:t>
+            </a:r>
+          </a:p>
+          <a:p>
+            <a:r>
+              <a:rPr lang="en-IN" dirty="0" err="1"/>
+              <a:t>Pi,j</a:t>
+            </a:r>
+            <a:r>
+              <a:rPr lang="en-IN" i="1" dirty="0" err="1"/>
+              <a:t>Pi</a:t>
+            </a:r>
+            <a:r>
+              <a:rPr lang="en-IN" dirty="0" err="1"/>
+              <a:t>,</a:t>
+            </a:r>
+            <a:r>
+              <a:rPr lang="en-IN" i="1" dirty="0" err="1"/>
+              <a:t>jAdditional</a:t>
+            </a:r>
+            <a:r>
+              <a:rPr lang="en-IN" i="1" dirty="0"/>
+              <a:t> power used if task</a:t>
+            </a:r>
+            <a:r>
+              <a:rPr lang="en-IN" dirty="0"/>
+              <a:t> </a:t>
+            </a:r>
+            <a:r>
+              <a:rPr lang="en-IN" dirty="0" err="1"/>
+              <a:t>i</a:t>
+            </a:r>
+            <a:r>
+              <a:rPr lang="en-IN" dirty="0"/>
+              <a:t> </a:t>
+            </a:r>
+            <a:r>
+              <a:rPr lang="en-IN" i="1" dirty="0"/>
+              <a:t>is assigned to server</a:t>
+            </a:r>
+            <a:r>
+              <a:rPr lang="en-IN" dirty="0"/>
+              <a:t> j.</a:t>
+            </a:r>
+          </a:p>
+          <a:p>
+            <a:r>
+              <a:rPr lang="en-IN" dirty="0"/>
+              <a:t>Efficiency Metric:</a:t>
+            </a:r>
+          </a:p>
+          <a:p>
+            <a:r>
+              <a:rPr lang="en-IN" dirty="0" err="1"/>
+              <a:t>Efficiencyi,j</a:t>
+            </a:r>
+            <a:r>
+              <a:rPr lang="en-IN" dirty="0"/>
+              <a:t>=</a:t>
+            </a:r>
+            <a:r>
+              <a:rPr lang="en-IN" dirty="0" err="1"/>
+              <a:t>Ri,jPi,jEfficiency</a:t>
+            </a:r>
+            <a:r>
+              <a:rPr lang="en-IN" i="1" dirty="0" err="1"/>
+              <a:t>i</a:t>
+            </a:r>
+            <a:r>
+              <a:rPr lang="en-IN" dirty="0" err="1"/>
+              <a:t>,</a:t>
+            </a:r>
+            <a:r>
+              <a:rPr lang="en-IN" i="1" dirty="0" err="1"/>
+              <a:t>j</a:t>
+            </a:r>
+            <a:r>
+              <a:rPr lang="en-IN" dirty="0"/>
+              <a:t>=</a:t>
+            </a:r>
+            <a:r>
+              <a:rPr lang="en-IN" i="1" dirty="0" err="1"/>
+              <a:t>Pi</a:t>
+            </a:r>
+            <a:r>
+              <a:rPr lang="en-IN" dirty="0" err="1"/>
+              <a:t>,</a:t>
+            </a:r>
+            <a:r>
+              <a:rPr lang="en-IN" i="1" dirty="0" err="1"/>
+              <a:t>jRi</a:t>
+            </a:r>
+            <a:r>
+              <a:rPr lang="en-IN" dirty="0" err="1"/>
+              <a:t>,</a:t>
+            </a:r>
+            <a:r>
+              <a:rPr lang="en-IN" i="1" dirty="0" err="1"/>
+              <a:t>jReward</a:t>
+            </a:r>
+            <a:r>
+              <a:rPr lang="en-IN" i="1" dirty="0"/>
+              <a:t> obtained per extra unit of power consumed.</a:t>
+            </a:r>
+            <a:endParaRPr lang="en-IN" dirty="0"/>
+          </a:p>
+          <a:p>
+            <a:r>
+              <a:rPr lang="en-IN" dirty="0"/>
+              <a:t>Selection Rule:</a:t>
+            </a:r>
+          </a:p>
+          <a:p>
+            <a:r>
+              <a:rPr lang="en-IN" dirty="0"/>
+              <a:t>(</a:t>
+            </a:r>
+            <a:r>
+              <a:rPr lang="en-IN" dirty="0" err="1"/>
+              <a:t>i</a:t>
+            </a:r>
+            <a:r>
+              <a:rPr lang="en-IN" dirty="0"/>
+              <a:t>∗,j∗)=</a:t>
+            </a:r>
+            <a:r>
+              <a:rPr lang="en-IN" dirty="0" err="1"/>
+              <a:t>arg⁡max⁡Ri,jPi,j</a:t>
+            </a:r>
+            <a:r>
+              <a:rPr lang="en-IN" dirty="0"/>
+              <a:t>(</a:t>
+            </a:r>
+            <a:r>
+              <a:rPr lang="en-IN" i="1" dirty="0" err="1"/>
+              <a:t>i</a:t>
+            </a:r>
+            <a:r>
+              <a:rPr lang="en-IN" dirty="0"/>
+              <a:t>∗,</a:t>
+            </a:r>
+            <a:r>
+              <a:rPr lang="en-IN" i="1" dirty="0"/>
+              <a:t>j</a:t>
+            </a:r>
+            <a:r>
+              <a:rPr lang="en-IN" dirty="0"/>
+              <a:t>∗)=</a:t>
+            </a:r>
+            <a:r>
+              <a:rPr lang="en-IN" dirty="0" err="1"/>
+              <a:t>argmax</a:t>
+            </a:r>
+            <a:r>
+              <a:rPr lang="en-IN" i="1" dirty="0" err="1"/>
+              <a:t>Pi</a:t>
+            </a:r>
+            <a:r>
+              <a:rPr lang="en-IN" dirty="0" err="1"/>
+              <a:t>,</a:t>
+            </a:r>
+            <a:r>
+              <a:rPr lang="en-IN" i="1" dirty="0" err="1"/>
+              <a:t>jRi</a:t>
+            </a:r>
+            <a:r>
+              <a:rPr lang="en-IN" dirty="0" err="1"/>
+              <a:t>,</a:t>
+            </a:r>
+            <a:r>
+              <a:rPr lang="en-IN" i="1" dirty="0" err="1"/>
+              <a:t>jPick</a:t>
+            </a:r>
+            <a:r>
+              <a:rPr lang="en-IN" i="1" dirty="0"/>
+              <a:t> the task-server pair with maximum efficiency.</a:t>
+            </a:r>
+            <a:endParaRPr lang="en-IN" dirty="0"/>
+          </a:p>
+          <a:p>
+            <a:r>
+              <a:rPr lang="en-IN" dirty="0"/>
+              <a:t>Assign only if:</a:t>
+            </a:r>
+          </a:p>
+          <a:p>
+            <a:r>
+              <a:rPr lang="en-IN" dirty="0"/>
+              <a:t>∑</a:t>
+            </a:r>
+            <a:r>
+              <a:rPr lang="en-IN" dirty="0" err="1"/>
+              <a:t>jPjtotal+Pi</a:t>
+            </a:r>
+            <a:r>
+              <a:rPr lang="en-IN" dirty="0"/>
+              <a:t>∗,j∗≤</a:t>
+            </a:r>
+            <a:r>
+              <a:rPr lang="en-IN" dirty="0" err="1"/>
+              <a:t>Plimit</a:t>
+            </a:r>
+            <a:r>
+              <a:rPr lang="en-IN" i="1" dirty="0" err="1"/>
+              <a:t>j</a:t>
+            </a:r>
+            <a:r>
+              <a:rPr lang="en-IN" dirty="0" err="1"/>
+              <a:t>∑</a:t>
+            </a:r>
+            <a:r>
+              <a:rPr lang="en-IN" i="1" dirty="0" err="1"/>
+              <a:t>Pjtotal</a:t>
+            </a:r>
+            <a:r>
+              <a:rPr lang="en-IN" dirty="0" err="1"/>
+              <a:t>+</a:t>
+            </a:r>
+            <a:r>
+              <a:rPr lang="en-IN" i="1" dirty="0" err="1"/>
+              <a:t>Pi</a:t>
+            </a:r>
+            <a:r>
+              <a:rPr lang="en-IN" dirty="0"/>
+              <a:t>∗,</a:t>
+            </a:r>
+            <a:r>
+              <a:rPr lang="en-IN" i="1" dirty="0"/>
+              <a:t>j</a:t>
+            </a:r>
+            <a:r>
+              <a:rPr lang="en-IN" dirty="0"/>
+              <a:t>∗≤</a:t>
+            </a:r>
+            <a:r>
+              <a:rPr lang="en-IN" i="1" dirty="0" err="1"/>
+              <a:t>Plimit</a:t>
+            </a:r>
+            <a:br>
+              <a:rPr lang="en-IN" dirty="0"/>
+            </a:br>
+            <a:endParaRPr lang="en-IN" dirty="0"/>
+          </a:p>
+        </p:txBody>
+      </p:sp>
+    </p:spTree>
+    <p:extLst>
+      <p:ext uri="{BB962C8B-B14F-4D97-AF65-F5344CB8AC3E}">
+        <p14:creationId xmlns:p14="http://schemas.microsoft.com/office/powerpoint/2010/main" val="53474873"/>
+      </p:ext>
+    </p:extLst>
+  </p:cSld>
+  <p:clrMapOvr>
+    <a:masterClrMapping/>
+  </p:clrMapOvr>
+</p:sld>
+</file>
+
+<file path=ppt/slides/slide11.xml><?xml version="1.0" encoding="utf-8"?>
+<p:sld xmlns:a="http://schemas.openxmlformats.org/drawingml/2006/main" xmlns:r="http://schemas.openxmlformats.org/officeDocument/2006/relationships" xmlns:p="http://schemas.openxmlformats.org/presentationml/2006/main">
+  <p:cSld>
+    <p:spTree>
+      <p:nvGrpSpPr>
+        <p:cNvPr id="1" name=""/>
+        <p:cNvGrpSpPr/>
+        <p:nvPr/>
+      </p:nvGrpSpPr>
+      <p:grpSpPr>
+        <a:xfrm>
+          <a:off x="0" y="0"/>
+          <a:ext cx="0" cy="0"/>
+          <a:chOff x="0" y="0"/>
+          <a:chExt cx="0" cy="0"/>
+        </a:xfrm>
+      </p:grpSpPr>
+      <p:sp>
+        <p:nvSpPr>
+          <p:cNvPr id="2" name="Title 1">
+            <a:extLst>
+              <a:ext uri="{FF2B5EF4-FFF2-40B4-BE49-F238E27FC236}">
+                <a16:creationId xmlns:a16="http://schemas.microsoft.com/office/drawing/2014/main" id="{259384E8-9E19-621C-43BE-C5FED14B4F68}"/>
+              </a:ext>
+            </a:extLst>
+          </p:cNvPr>
+          <p:cNvSpPr>
+            <a:spLocks noGrp="1"/>
+          </p:cNvSpPr>
+          <p:nvPr>
+            <p:ph type="ctrTitle"/>
+          </p:nvPr>
+        </p:nvSpPr>
+        <p:spPr/>
+        <p:txBody>
+          <a:bodyPr/>
+          <a:lstStyle/>
+          <a:p>
+            <a:r>
+              <a:rPr lang="en-US" dirty="0"/>
+              <a:t>Edge server allocation problem (EAP)</a:t>
+            </a:r>
+            <a:endParaRPr lang="en-IN" dirty="0"/>
+          </a:p>
+        </p:txBody>
+      </p:sp>
+      <p:sp>
+        <p:nvSpPr>
+          <p:cNvPr id="3" name="Subtitle 2">
+            <a:extLst>
+              <a:ext uri="{FF2B5EF4-FFF2-40B4-BE49-F238E27FC236}">
+                <a16:creationId xmlns:a16="http://schemas.microsoft.com/office/drawing/2014/main" id="{3A9A1929-C18A-3C26-925D-192E9980CF88}"/>
+              </a:ext>
+            </a:extLst>
+          </p:cNvPr>
+          <p:cNvSpPr>
+            <a:spLocks noGrp="1"/>
+          </p:cNvSpPr>
+          <p:nvPr>
+            <p:ph type="subTitle" idx="1"/>
+          </p:nvPr>
+        </p:nvSpPr>
+        <p:spPr/>
+        <p:txBody>
+          <a:bodyPr>
+            <a:normAutofit/>
+          </a:bodyPr>
+          <a:lstStyle/>
+          <a:p>
+            <a:r>
+              <a:rPr lang="en-US" sz="4400" dirty="0"/>
+              <a:t>Phase 2</a:t>
+            </a:r>
+            <a:endParaRPr lang="en-IN" sz="4400" dirty="0"/>
+          </a:p>
+        </p:txBody>
+      </p:sp>
+    </p:spTree>
+    <p:extLst>
+      <p:ext uri="{BB962C8B-B14F-4D97-AF65-F5344CB8AC3E}">
+        <p14:creationId xmlns:p14="http://schemas.microsoft.com/office/powerpoint/2010/main" val="1253379475"/>
+      </p:ext>
+    </p:extLst>
+  </p:cSld>
+  <p:clrMapOvr>
+    <a:masterClrMapping/>
+  </p:clrMapOvr>
+</p:sld>
+</file>
+
+<file path=ppt/slides/slide12.xml><?xml version="1.0" encoding="utf-8"?>
+<p:sld xmlns:a="http://schemas.openxmlformats.org/drawingml/2006/main" xmlns:r="http://schemas.openxmlformats.org/officeDocument/2006/relationships" xmlns:p="http://schemas.openxmlformats.org/presentationml/2006/main">
+  <p:cSld>
+    <p:spTree>
+      <p:nvGrpSpPr>
+        <p:cNvPr id="1" name=""/>
+        <p:cNvGrpSpPr/>
+        <p:nvPr/>
+      </p:nvGrpSpPr>
+      <p:grpSpPr>
+        <a:xfrm>
+          <a:off x="0" y="0"/>
+          <a:ext cx="0" cy="0"/>
+          <a:chOff x="0" y="0"/>
+          <a:chExt cx="0" cy="0"/>
+        </a:xfrm>
+      </p:grpSpPr>
+      <p:sp>
+        <p:nvSpPr>
           <p:cNvPr id="2" name="Title 1">
             <a:extLst>
               <a:ext uri="{FF2B5EF4-FFF2-40B4-BE49-F238E27FC236}">
@@ -4498,7 +4978,7 @@
 </p:sld>
 </file>
 
-<file path=ppt/slides/slide11.xml><?xml version="1.0" encoding="utf-8"?>
+<file path=ppt/slides/slide13.xml><?xml version="1.0" encoding="utf-8"?>
 <p:sld xmlns:a="http://schemas.openxmlformats.org/drawingml/2006/main" xmlns:r="http://schemas.openxmlformats.org/officeDocument/2006/relationships" xmlns:p="http://schemas.openxmlformats.org/presentationml/2006/main">
   <p:cSld>
     <p:spTree>
@@ -4748,7 +5228,7 @@
 </p:sld>
 </file>
 
-<file path=ppt/slides/slide12.xml><?xml version="1.0" encoding="utf-8"?>
+<file path=ppt/slides/slide14.xml><?xml version="1.0" encoding="utf-8"?>
 <p:sld xmlns:a="http://schemas.openxmlformats.org/drawingml/2006/main" xmlns:r="http://schemas.openxmlformats.org/officeDocument/2006/relationships" xmlns:p="http://schemas.openxmlformats.org/presentationml/2006/main">
   <p:cSld>
     <p:spTree>
@@ -4909,7 +5389,7 @@
 </p:sld>
 </file>
 
-<file path=ppt/slides/slide13.xml><?xml version="1.0" encoding="utf-8"?>
+<file path=ppt/slides/slide15.xml><?xml version="1.0" encoding="utf-8"?>
 <p:sld xmlns:a="http://schemas.openxmlformats.org/drawingml/2006/main" xmlns:r="http://schemas.openxmlformats.org/officeDocument/2006/relationships" xmlns:p="http://schemas.openxmlformats.org/presentationml/2006/main">
   <p:cSld>
     <p:spTree>
@@ -5202,7 +5682,7 @@
 </p:sld>
 </file>
 
-<file path=ppt/slides/slide14.xml><?xml version="1.0" encoding="utf-8"?>
+<file path=ppt/slides/slide16.xml><?xml version="1.0" encoding="utf-8"?>
 <p:sld xmlns:a="http://schemas.openxmlformats.org/drawingml/2006/main" xmlns:r="http://schemas.openxmlformats.org/officeDocument/2006/relationships" xmlns:p="http://schemas.openxmlformats.org/presentationml/2006/main">
   <p:cSld>
     <p:spTree>
@@ -5675,7 +6155,7 @@
 </p:sld>
 </file>
 
-<file path=ppt/slides/slide15.xml><?xml version="1.0" encoding="utf-8"?>
+<file path=ppt/slides/slide17.xml><?xml version="1.0" encoding="utf-8"?>
 <p:sld xmlns:a="http://schemas.openxmlformats.org/drawingml/2006/main" xmlns:r="http://schemas.openxmlformats.org/officeDocument/2006/relationships" xmlns:p="http://schemas.openxmlformats.org/presentationml/2006/main">
   <p:cSld>
     <p:spTree>
@@ -5976,7 +6456,7 @@
 </p:sld>
 </file>
 
-<file path=ppt/slides/slide16.xml><?xml version="1.0" encoding="utf-8"?>
+<file path=ppt/slides/slide18.xml><?xml version="1.0" encoding="utf-8"?>
 <p:sld xmlns:a="http://schemas.openxmlformats.org/drawingml/2006/main" xmlns:r="http://schemas.openxmlformats.org/officeDocument/2006/relationships" xmlns:p="http://schemas.openxmlformats.org/presentationml/2006/main">
   <p:cSld>
     <p:spTree>
@@ -6380,7 +6860,7 @@
 </p:sld>
 </file>
 
-<file path=ppt/slides/slide17.xml><?xml version="1.0" encoding="utf-8"?>
+<file path=ppt/slides/slide19.xml><?xml version="1.0" encoding="utf-8"?>
 <p:sld xmlns:a="http://schemas.openxmlformats.org/drawingml/2006/main" xmlns:r="http://schemas.openxmlformats.org/officeDocument/2006/relationships" xmlns:p="http://schemas.openxmlformats.org/presentationml/2006/main">
   <p:cSld>
     <p:spTree>
@@ -6445,7 +6925,121 @@
 </p:sld>
 </file>
 
-<file path=ppt/slides/slide18.xml><?xml version="1.0" encoding="utf-8"?>
+<file path=ppt/slides/slide2.xml><?xml version="1.0" encoding="utf-8"?>
+<p:sld xmlns:a="http://schemas.openxmlformats.org/drawingml/2006/main" xmlns:r="http://schemas.openxmlformats.org/officeDocument/2006/relationships" xmlns:p="http://schemas.openxmlformats.org/presentationml/2006/main">
+  <p:cSld>
+    <p:bg>
+      <p:bgPr>
+        <a:solidFill>
+          <a:schemeClr val="accent2"/>
+        </a:solidFill>
+        <a:effectLst/>
+      </p:bgPr>
+    </p:bg>
+    <p:spTree>
+      <p:nvGrpSpPr>
+        <p:cNvPr id="1" name=""/>
+        <p:cNvGrpSpPr/>
+        <p:nvPr/>
+      </p:nvGrpSpPr>
+      <p:grpSpPr>
+        <a:xfrm>
+          <a:off x="0" y="0"/>
+          <a:ext cx="0" cy="0"/>
+          <a:chOff x="0" y="0"/>
+          <a:chExt cx="0" cy="0"/>
+        </a:xfrm>
+      </p:grpSpPr>
+      <p:sp>
+        <p:nvSpPr>
+          <p:cNvPr id="2" name="Title 1">
+            <a:extLst>
+              <a:ext uri="{FF2B5EF4-FFF2-40B4-BE49-F238E27FC236}">
+                <a16:creationId xmlns:a16="http://schemas.microsoft.com/office/drawing/2014/main" id="{60722DD6-F512-26F3-A86D-DF4AF2256ED0}"/>
+              </a:ext>
+            </a:extLst>
+          </p:cNvPr>
+          <p:cNvSpPr>
+            <a:spLocks noGrp="1"/>
+          </p:cNvSpPr>
+          <p:nvPr>
+            <p:ph type="ctrTitle"/>
+          </p:nvPr>
+        </p:nvSpPr>
+        <p:spPr>
+          <a:xfrm>
+            <a:off x="1554480" y="2871216"/>
+            <a:ext cx="9052560" cy="2523744"/>
+          </a:xfrm>
+        </p:spPr>
+        <p:txBody>
+          <a:bodyPr/>
+          <a:lstStyle/>
+          <a:p>
+            <a:pPr algn="ctr"/>
+            <a:r>
+              <a:rPr lang="en-US" dirty="0"/>
+              <a:t>                 Problem </a:t>
+            </a:r>
+            <a:br>
+              <a:rPr lang="en-US" dirty="0"/>
+            </a:br>
+            <a:r>
+              <a:rPr lang="en-US" dirty="0"/>
+              <a:t>                        Justification</a:t>
+            </a:r>
+          </a:p>
+        </p:txBody>
+      </p:sp>
+      <p:sp>
+        <p:nvSpPr>
+          <p:cNvPr id="3" name="Subtitle 2">
+            <a:extLst>
+              <a:ext uri="{FF2B5EF4-FFF2-40B4-BE49-F238E27FC236}">
+                <a16:creationId xmlns:a16="http://schemas.microsoft.com/office/drawing/2014/main" id="{1668B0FA-B731-5A4B-D795-1F3C45DC9C54}"/>
+              </a:ext>
+            </a:extLst>
+          </p:cNvPr>
+          <p:cNvSpPr>
+            <a:spLocks noGrp="1"/>
+          </p:cNvSpPr>
+          <p:nvPr>
+            <p:ph type="subTitle" idx="1"/>
+          </p:nvPr>
+        </p:nvSpPr>
+        <p:spPr>
+          <a:xfrm>
+            <a:off x="1554480" y="1554480"/>
+            <a:ext cx="9052560" cy="1097280"/>
+          </a:xfrm>
+        </p:spPr>
+        <p:txBody>
+          <a:bodyPr>
+            <a:normAutofit/>
+          </a:bodyPr>
+          <a:lstStyle/>
+          <a:p>
+            <a:r>
+              <a:rPr lang="en-US" dirty="0"/>
+              <a:t>Understanding the idea</a:t>
+            </a:r>
+          </a:p>
+        </p:txBody>
+      </p:sp>
+    </p:spTree>
+    <p:extLst>
+      <p:ext uri="{BB962C8B-B14F-4D97-AF65-F5344CB8AC3E}">
+        <p14:creationId xmlns:p14="http://schemas.microsoft.com/office/powerpoint/2010/main" val="2078675845"/>
+      </p:ext>
+    </p:extLst>
+  </p:cSld>
+  <p:clrMapOvr>
+    <a:masterClrMapping/>
+  </p:clrMapOvr>
+</p:sld>
+</file>
+
+<file path=ppt/slides/slide20.xml><?xml version="1.0" encoding="utf-8"?>
 <p:sld xmlns:a="http://schemas.openxmlformats.org/drawingml/2006/main" xmlns:r="http://schemas.openxmlformats.org/officeDocument/2006/relationships" xmlns:p="http://schemas.openxmlformats.org/presentationml/2006/main">
   <p:cSld>
     <p:spTree>
@@ -6654,7 +7248,7 @@
 </p:sld>
 </file>
 
-<file path=ppt/slides/slide19.xml><?xml version="1.0" encoding="utf-8"?>
+<file path=ppt/slides/slide21.xml><?xml version="1.0" encoding="utf-8"?>
 <p:sld xmlns:a="http://schemas.openxmlformats.org/drawingml/2006/main" xmlns:r="http://schemas.openxmlformats.org/officeDocument/2006/relationships" xmlns:p="http://schemas.openxmlformats.org/presentationml/2006/main">
   <p:cSld>
     <p:bg>
@@ -6711,120 +7305,6 @@
     <p:extLst>
       <p:ext uri="{BB962C8B-B14F-4D97-AF65-F5344CB8AC3E}">
         <p14:creationId xmlns:p14="http://schemas.microsoft.com/office/powerpoint/2010/main" val="517994093"/>
-      </p:ext>
-    </p:extLst>
-  </p:cSld>
-  <p:clrMapOvr>
-    <a:masterClrMapping/>
-  </p:clrMapOvr>
-</p:sld>
-</file>
-
-<file path=ppt/slides/slide2.xml><?xml version="1.0" encoding="utf-8"?>
-<p:sld xmlns:a="http://schemas.openxmlformats.org/drawingml/2006/main" xmlns:r="http://schemas.openxmlformats.org/officeDocument/2006/relationships" xmlns:p="http://schemas.openxmlformats.org/presentationml/2006/main">
-  <p:cSld>
-    <p:bg>
-      <p:bgPr>
-        <a:solidFill>
-          <a:schemeClr val="accent2"/>
-        </a:solidFill>
-        <a:effectLst/>
-      </p:bgPr>
-    </p:bg>
-    <p:spTree>
-      <p:nvGrpSpPr>
-        <p:cNvPr id="1" name=""/>
-        <p:cNvGrpSpPr/>
-        <p:nvPr/>
-      </p:nvGrpSpPr>
-      <p:grpSpPr>
-        <a:xfrm>
-          <a:off x="0" y="0"/>
-          <a:ext cx="0" cy="0"/>
-          <a:chOff x="0" y="0"/>
-          <a:chExt cx="0" cy="0"/>
-        </a:xfrm>
-      </p:grpSpPr>
-      <p:sp>
-        <p:nvSpPr>
-          <p:cNvPr id="2" name="Title 1">
-            <a:extLst>
-              <a:ext uri="{FF2B5EF4-FFF2-40B4-BE49-F238E27FC236}">
-                <a16:creationId xmlns:a16="http://schemas.microsoft.com/office/drawing/2014/main" id="{60722DD6-F512-26F3-A86D-DF4AF2256ED0}"/>
-              </a:ext>
-            </a:extLst>
-          </p:cNvPr>
-          <p:cNvSpPr>
-            <a:spLocks noGrp="1"/>
-          </p:cNvSpPr>
-          <p:nvPr>
-            <p:ph type="ctrTitle"/>
-          </p:nvPr>
-        </p:nvSpPr>
-        <p:spPr>
-          <a:xfrm>
-            <a:off x="1554480" y="2871216"/>
-            <a:ext cx="9052560" cy="2523744"/>
-          </a:xfrm>
-        </p:spPr>
-        <p:txBody>
-          <a:bodyPr/>
-          <a:lstStyle/>
-          <a:p>
-            <a:pPr algn="ctr"/>
-            <a:r>
-              <a:rPr lang="en-US" dirty="0"/>
-              <a:t>                 Problem </a:t>
-            </a:r>
-            <a:br>
-              <a:rPr lang="en-US" dirty="0"/>
-            </a:br>
-            <a:r>
-              <a:rPr lang="en-US" dirty="0"/>
-              <a:t>                        Justification</a:t>
-            </a:r>
-          </a:p>
-        </p:txBody>
-      </p:sp>
-      <p:sp>
-        <p:nvSpPr>
-          <p:cNvPr id="3" name="Subtitle 2">
-            <a:extLst>
-              <a:ext uri="{FF2B5EF4-FFF2-40B4-BE49-F238E27FC236}">
-                <a16:creationId xmlns:a16="http://schemas.microsoft.com/office/drawing/2014/main" id="{1668B0FA-B731-5A4B-D795-1F3C45DC9C54}"/>
-              </a:ext>
-            </a:extLst>
-          </p:cNvPr>
-          <p:cNvSpPr>
-            <a:spLocks noGrp="1"/>
-          </p:cNvSpPr>
-          <p:nvPr>
-            <p:ph type="subTitle" idx="1"/>
-          </p:nvPr>
-        </p:nvSpPr>
-        <p:spPr>
-          <a:xfrm>
-            <a:off x="1554480" y="1554480"/>
-            <a:ext cx="9052560" cy="1097280"/>
-          </a:xfrm>
-        </p:spPr>
-        <p:txBody>
-          <a:bodyPr>
-            <a:normAutofit/>
-          </a:bodyPr>
-          <a:lstStyle/>
-          <a:p>
-            <a:r>
-              <a:rPr lang="en-US" dirty="0"/>
-              <a:t>Understanding the idea</a:t>
-            </a:r>
-          </a:p>
-        </p:txBody>
-      </p:sp>
-    </p:spTree>
-    <p:extLst>
-      <p:ext uri="{BB962C8B-B14F-4D97-AF65-F5344CB8AC3E}">
-        <p14:creationId xmlns:p14="http://schemas.microsoft.com/office/powerpoint/2010/main" val="2078675845"/>
       </p:ext>
     </p:extLst>
   </p:cSld>
@@ -7497,6 +7977,129 @@
           <a:chExt cx="0" cy="0"/>
         </a:xfrm>
       </p:grpSpPr>
+      <p:sp>
+        <p:nvSpPr>
+          <p:cNvPr id="5" name="Title 4">
+            <a:extLst>
+              <a:ext uri="{FF2B5EF4-FFF2-40B4-BE49-F238E27FC236}">
+                <a16:creationId xmlns:a16="http://schemas.microsoft.com/office/drawing/2014/main" id="{1DFCC9B2-0869-F8E0-9A9D-B3C43572C578}"/>
+              </a:ext>
+            </a:extLst>
+          </p:cNvPr>
+          <p:cNvSpPr>
+            <a:spLocks noGrp="1"/>
+          </p:cNvSpPr>
+          <p:nvPr>
+            <p:ph type="title"/>
+          </p:nvPr>
+        </p:nvSpPr>
+        <p:spPr>
+          <a:xfrm>
+            <a:off x="1337974" y="341671"/>
+            <a:ext cx="10149840" cy="1614948"/>
+          </a:xfrm>
+        </p:spPr>
+        <p:txBody>
+          <a:bodyPr>
+            <a:normAutofit/>
+          </a:bodyPr>
+          <a:lstStyle/>
+          <a:p>
+            <a:r>
+              <a:rPr lang="en-US" i="1" dirty="0"/>
+              <a:t>Objective of Phase 1 (MUD):</a:t>
+            </a:r>
+            <a:br>
+              <a:rPr lang="en-US" i="1" dirty="0"/>
+            </a:br>
+            <a:endParaRPr lang="en-IN" dirty="0"/>
+          </a:p>
+        </p:txBody>
+      </p:sp>
+      <p:sp>
+        <p:nvSpPr>
+          <p:cNvPr id="6" name="Content Placeholder 5">
+            <a:extLst>
+              <a:ext uri="{FF2B5EF4-FFF2-40B4-BE49-F238E27FC236}">
+                <a16:creationId xmlns:a16="http://schemas.microsoft.com/office/drawing/2014/main" id="{72E47B39-D5D6-7815-FC38-5E091A93034F}"/>
+              </a:ext>
+            </a:extLst>
+          </p:cNvPr>
+          <p:cNvSpPr>
+            <a:spLocks noGrp="1"/>
+          </p:cNvSpPr>
+          <p:nvPr>
+            <p:ph idx="13"/>
+          </p:nvPr>
+        </p:nvSpPr>
+        <p:spPr>
+          <a:xfrm>
+            <a:off x="1514955" y="1229031"/>
+            <a:ext cx="10149840" cy="4965291"/>
+          </a:xfrm>
+        </p:spPr>
+        <p:txBody>
+          <a:bodyPr>
+            <a:normAutofit/>
+          </a:bodyPr>
+          <a:lstStyle/>
+          <a:p>
+            <a:r>
+              <a:rPr lang="en-US" i="1" dirty="0"/>
+              <a:t>Determine the maximum CPU utilization (workload) each edge server can handle without exceeding the overall system power limit.</a:t>
+            </a:r>
+          </a:p>
+          <a:p>
+            <a:r>
+              <a:rPr lang="en-US" i="1" dirty="0"/>
+              <a:t>Select a set of tasks and utilization caps that maximize the total reward (profit) while respecting edge server power constraints.</a:t>
+            </a:r>
+          </a:p>
+          <a:p>
+            <a:r>
+              <a:rPr lang="en-US" i="1" dirty="0"/>
+              <a:t>Provide these utilization caps to be used as constraints in Phase 2 task allocation.</a:t>
+            </a:r>
+            <a:endParaRPr lang="en-IN" i="1" dirty="0"/>
+          </a:p>
+          <a:p>
+            <a:endParaRPr lang="en-IN" i="1" dirty="0"/>
+          </a:p>
+          <a:p>
+            <a:endParaRPr lang="en-US" i="1" dirty="0"/>
+          </a:p>
+        </p:txBody>
+      </p:sp>
+    </p:spTree>
+    <p:extLst>
+      <p:ext uri="{BB962C8B-B14F-4D97-AF65-F5344CB8AC3E}">
+        <p14:creationId xmlns:p14="http://schemas.microsoft.com/office/powerpoint/2010/main" val="3520349252"/>
+      </p:ext>
+    </p:extLst>
+  </p:cSld>
+  <p:clrMapOvr>
+    <a:masterClrMapping/>
+  </p:clrMapOvr>
+</p:sld>
+</file>
+
+<file path=ppt/slides/slide9.xml><?xml version="1.0" encoding="utf-8"?>
+<p:sld xmlns:a="http://schemas.openxmlformats.org/drawingml/2006/main" xmlns:r="http://schemas.openxmlformats.org/officeDocument/2006/relationships" xmlns:p="http://schemas.openxmlformats.org/presentationml/2006/main">
+  <p:cSld>
+    <p:spTree>
+      <p:nvGrpSpPr>
+        <p:cNvPr id="1" name=""/>
+        <p:cNvGrpSpPr/>
+        <p:nvPr/>
+      </p:nvGrpSpPr>
+      <p:grpSpPr>
+        <a:xfrm>
+          <a:off x="0" y="0"/>
+          <a:ext cx="0" cy="0"/>
+          <a:chOff x="0" y="0"/>
+          <a:chExt cx="0" cy="0"/>
+        </a:xfrm>
+      </p:grpSpPr>
       <p:pic>
         <p:nvPicPr>
           <p:cNvPr id="6" name="Content Placeholder 5">
@@ -7707,96 +8310,6 @@
     <p:extLst>
       <p:ext uri="{BB962C8B-B14F-4D97-AF65-F5344CB8AC3E}">
         <p14:creationId xmlns:p14="http://schemas.microsoft.com/office/powerpoint/2010/main" val="400881694"/>
-      </p:ext>
-    </p:extLst>
-  </p:cSld>
-  <p:clrMapOvr>
-    <a:masterClrMapping/>
-  </p:clrMapOvr>
-</p:sld>
-</file>
-
-<file path=ppt/slides/slide9.xml><?xml version="1.0" encoding="utf-8"?>
-<p:sld xmlns:a="http://schemas.openxmlformats.org/drawingml/2006/main" xmlns:r="http://schemas.openxmlformats.org/officeDocument/2006/relationships" xmlns:p="http://schemas.openxmlformats.org/presentationml/2006/main">
-  <p:cSld>
-    <p:spTree>
-      <p:nvGrpSpPr>
-        <p:cNvPr id="1" name=""/>
-        <p:cNvGrpSpPr/>
-        <p:nvPr/>
-      </p:nvGrpSpPr>
-      <p:grpSpPr>
-        <a:xfrm>
-          <a:off x="0" y="0"/>
-          <a:ext cx="0" cy="0"/>
-          <a:chOff x="0" y="0"/>
-          <a:chExt cx="0" cy="0"/>
-        </a:xfrm>
-      </p:grpSpPr>
-      <p:sp>
-        <p:nvSpPr>
-          <p:cNvPr id="2" name="Title 1">
-            <a:extLst>
-              <a:ext uri="{FF2B5EF4-FFF2-40B4-BE49-F238E27FC236}">
-                <a16:creationId xmlns:a16="http://schemas.microsoft.com/office/drawing/2014/main" id="{259384E8-9E19-621C-43BE-C5FED14B4F68}"/>
-              </a:ext>
-            </a:extLst>
-          </p:cNvPr>
-          <p:cNvSpPr>
-            <a:spLocks noGrp="1"/>
-          </p:cNvSpPr>
-          <p:nvPr>
-            <p:ph type="ctrTitle"/>
-          </p:nvPr>
-        </p:nvSpPr>
-        <p:spPr/>
-        <p:txBody>
-          <a:bodyPr/>
-          <a:lstStyle/>
-          <a:p>
-            <a:r>
-              <a:rPr lang="en-US" dirty="0"/>
-              <a:t>Edge server allocation problem (EAP)</a:t>
-            </a:r>
-            <a:endParaRPr lang="en-IN" dirty="0"/>
-          </a:p>
-        </p:txBody>
-      </p:sp>
-      <p:sp>
-        <p:nvSpPr>
-          <p:cNvPr id="3" name="Subtitle 2">
-            <a:extLst>
-              <a:ext uri="{FF2B5EF4-FFF2-40B4-BE49-F238E27FC236}">
-                <a16:creationId xmlns:a16="http://schemas.microsoft.com/office/drawing/2014/main" id="{3A9A1929-C18A-3C26-925D-192E9980CF88}"/>
-              </a:ext>
-            </a:extLst>
-          </p:cNvPr>
-          <p:cNvSpPr>
-            <a:spLocks noGrp="1"/>
-          </p:cNvSpPr>
-          <p:nvPr>
-            <p:ph type="subTitle" idx="1"/>
-          </p:nvPr>
-        </p:nvSpPr>
-        <p:spPr/>
-        <p:txBody>
-          <a:bodyPr>
-            <a:normAutofit/>
-          </a:bodyPr>
-          <a:lstStyle/>
-          <a:p>
-            <a:r>
-              <a:rPr lang="en-US" sz="4400" dirty="0"/>
-              <a:t>Phase 2</a:t>
-            </a:r>
-            <a:endParaRPr lang="en-IN" sz="4400" dirty="0"/>
-          </a:p>
-        </p:txBody>
-      </p:sp>
-    </p:spTree>
-    <p:extLst>
-      <p:ext uri="{BB962C8B-B14F-4D97-AF65-F5344CB8AC3E}">
-        <p14:creationId xmlns:p14="http://schemas.microsoft.com/office/powerpoint/2010/main" val="1253379475"/>
       </p:ext>
     </p:extLst>
   </p:cSld>
@@ -8360,6 +8873,26 @@
 </file>
 
 <file path=customXml/item1.xml><?xml version="1.0" encoding="utf-8"?>
+<p:properties xmlns:p="http://schemas.microsoft.com/office/2006/metadata/properties" xmlns:xsi="http://www.w3.org/2001/XMLSchema-instance" xmlns:pc="http://schemas.microsoft.com/office/infopath/2007/PartnerControls">
+  <documentManagement>
+    <MediaServiceKeyPoints xmlns="71af3243-3dd4-4a8d-8c0d-dd76da1f02a5" xsi:nil="true"/>
+    <_ip_UnifiedCompliancePolicyUIAction xmlns="http://schemas.microsoft.com/sharepoint/v3" xsi:nil="true"/>
+    <Image xmlns="71af3243-3dd4-4a8d-8c0d-dd76da1f02a5">
+      <Url xsi:nil="true"/>
+      <Description xsi:nil="true"/>
+    </Image>
+    <Status xmlns="71af3243-3dd4-4a8d-8c0d-dd76da1f02a5">Not started</Status>
+    <Background xmlns="71af3243-3dd4-4a8d-8c0d-dd76da1f02a5">false</Background>
+    <_ip_UnifiedCompliancePolicyProperties xmlns="http://schemas.microsoft.com/sharepoint/v3" xsi:nil="true"/>
+    <ImageTagsTaxHTField xmlns="71af3243-3dd4-4a8d-8c0d-dd76da1f02a5">
+      <Terms xmlns="http://schemas.microsoft.com/office/infopath/2007/PartnerControls"/>
+    </ImageTagsTaxHTField>
+    <TaxCatchAll xmlns="230e9df3-be65-4c73-a93b-d1236ebd677e" xsi:nil="true"/>
+  </documentManagement>
+</p:properties>
+</file>
+
+<file path=customXml/item2.xml><?xml version="1.0" encoding="utf-8"?>
 <ct:contentTypeSchema xmlns:ct="http://schemas.microsoft.com/office/2006/metadata/contentType" xmlns:ma="http://schemas.microsoft.com/office/2006/metadata/properties/metaAttributes" ct:_="" ma:_="" ma:contentTypeName="Document" ma:contentTypeID="0x01010079F111ED35F8CC479449609E8A0923A6" ma:contentTypeVersion="30" ma:contentTypeDescription="Create a new document." ma:contentTypeScope="" ma:versionID="cec0622158e8f13124e9e8fd4de31bd1">
   <xsd:schema xmlns:xsd="http://www.w3.org/2001/XMLSchema" xmlns:xs="http://www.w3.org/2001/XMLSchema" xmlns:p="http://schemas.microsoft.com/office/2006/metadata/properties" xmlns:ns1="http://schemas.microsoft.com/sharepoint/v3" xmlns:ns2="71af3243-3dd4-4a8d-8c0d-dd76da1f02a5" xmlns:ns3="16c05727-aa75-4e4a-9b5f-8a80a1165891" xmlns:ns4="230e9df3-be65-4c73-a93b-d1236ebd677e" targetNamespace="http://schemas.microsoft.com/office/2006/metadata/properties" ma:root="true" ma:fieldsID="3b52f30ab005d15df08657af532e6e38" ns1:_="" ns2:_="" ns3:_="" ns4:_="">
     <xsd:import namespace="http://schemas.microsoft.com/sharepoint/v3"/>
@@ -8677,26 +9210,6 @@
 </ct:contentTypeSchema>
 </file>
 
-<file path=customXml/item2.xml><?xml version="1.0" encoding="utf-8"?>
-<p:properties xmlns:p="http://schemas.microsoft.com/office/2006/metadata/properties" xmlns:xsi="http://www.w3.org/2001/XMLSchema-instance" xmlns:pc="http://schemas.microsoft.com/office/infopath/2007/PartnerControls">
-  <documentManagement>
-    <MediaServiceKeyPoints xmlns="71af3243-3dd4-4a8d-8c0d-dd76da1f02a5" xsi:nil="true"/>
-    <_ip_UnifiedCompliancePolicyUIAction xmlns="http://schemas.microsoft.com/sharepoint/v3" xsi:nil="true"/>
-    <Image xmlns="71af3243-3dd4-4a8d-8c0d-dd76da1f02a5">
-      <Url xsi:nil="true"/>
-      <Description xsi:nil="true"/>
-    </Image>
-    <Status xmlns="71af3243-3dd4-4a8d-8c0d-dd76da1f02a5">Not started</Status>
-    <Background xmlns="71af3243-3dd4-4a8d-8c0d-dd76da1f02a5">false</Background>
-    <_ip_UnifiedCompliancePolicyProperties xmlns="http://schemas.microsoft.com/sharepoint/v3" xsi:nil="true"/>
-    <ImageTagsTaxHTField xmlns="71af3243-3dd4-4a8d-8c0d-dd76da1f02a5">
-      <Terms xmlns="http://schemas.microsoft.com/office/infopath/2007/PartnerControls"/>
-    </ImageTagsTaxHTField>
-    <TaxCatchAll xmlns="230e9df3-be65-4c73-a93b-d1236ebd677e" xsi:nil="true"/>
-  </documentManagement>
-</p:properties>
-</file>
-
 <file path=customXml/item3.xml><?xml version="1.0" encoding="utf-8"?>
 <?mso-contentType ?>
 <FormTemplates xmlns="http://schemas.microsoft.com/sharepoint/v3/contenttype/forms">
@@ -8707,6 +9220,18 @@
 </file>
 
 <file path=customXml/itemProps1.xml><?xml version="1.0" encoding="utf-8"?>
+<ds:datastoreItem xmlns:ds="http://schemas.openxmlformats.org/officeDocument/2006/customXml" ds:itemID="{3FD9A38F-9A2C-42E5-9013-4C4B1FFCB4F6}">
+  <ds:schemaRefs>
+    <ds:schemaRef ds:uri="http://schemas.microsoft.com/office/2006/metadata/properties"/>
+    <ds:schemaRef ds:uri="http://schemas.microsoft.com/office/infopath/2007/PartnerControls"/>
+    <ds:schemaRef ds:uri="71af3243-3dd4-4a8d-8c0d-dd76da1f02a5"/>
+    <ds:schemaRef ds:uri="http://schemas.microsoft.com/sharepoint/v3"/>
+    <ds:schemaRef ds:uri="230e9df3-be65-4c73-a93b-d1236ebd677e"/>
+  </ds:schemaRefs>
+</ds:datastoreItem>
+</file>
+
+<file path=customXml/itemProps2.xml><?xml version="1.0" encoding="utf-8"?>
 <ds:datastoreItem xmlns:ds="http://schemas.openxmlformats.org/officeDocument/2006/customXml" ds:itemID="{648BEDAE-AC7E-4F41-A2BD-A46A86095881}">
   <ds:schemaRefs>
     <ds:schemaRef ds:uri="http://schemas.microsoft.com/office/2006/metadata/contentType"/>
@@ -8727,18 +9252,6 @@
 </ds:datastoreItem>
 </file>
 
-<file path=customXml/itemProps2.xml><?xml version="1.0" encoding="utf-8"?>
-<ds:datastoreItem xmlns:ds="http://schemas.openxmlformats.org/officeDocument/2006/customXml" ds:itemID="{3FD9A38F-9A2C-42E5-9013-4C4B1FFCB4F6}">
-  <ds:schemaRefs>
-    <ds:schemaRef ds:uri="http://schemas.microsoft.com/office/2006/metadata/properties"/>
-    <ds:schemaRef ds:uri="http://schemas.microsoft.com/office/infopath/2007/PartnerControls"/>
-    <ds:schemaRef ds:uri="71af3243-3dd4-4a8d-8c0d-dd76da1f02a5"/>
-    <ds:schemaRef ds:uri="http://schemas.microsoft.com/sharepoint/v3"/>
-    <ds:schemaRef ds:uri="230e9df3-be65-4c73-a93b-d1236ebd677e"/>
-  </ds:schemaRefs>
-</ds:datastoreItem>
-</file>
-
 <file path=customXml/itemProps3.xml><?xml version="1.0" encoding="utf-8"?>
 <ds:datastoreItem xmlns:ds="http://schemas.openxmlformats.org/officeDocument/2006/customXml" ds:itemID="{8C45FB24-BEC6-4D44-888B-84AEBBA2DC09}">
   <ds:schemaRefs>

--- a/Documentation/Review 1.pptx
+++ b/Documentation/Review 1.pptx
@@ -5,7 +5,7 @@
     <p:sldMasterId id="2147483648" r:id="rId4"/>
   </p:sldMasterIdLst>
   <p:notesMasterIdLst>
-    <p:notesMasterId r:id="rId26"/>
+    <p:notesMasterId r:id="rId25"/>
   </p:notesMasterIdLst>
   <p:sldIdLst>
     <p:sldId id="266" r:id="rId5"/>
@@ -17,18 +17,17 @@
     <p:sldId id="281" r:id="rId11"/>
     <p:sldId id="301" r:id="rId12"/>
     <p:sldId id="289" r:id="rId13"/>
-    <p:sldId id="302" r:id="rId14"/>
-    <p:sldId id="283" r:id="rId15"/>
-    <p:sldId id="290" r:id="rId16"/>
-    <p:sldId id="291" r:id="rId17"/>
-    <p:sldId id="287" r:id="rId18"/>
-    <p:sldId id="297" r:id="rId19"/>
-    <p:sldId id="298" r:id="rId20"/>
-    <p:sldId id="299" r:id="rId21"/>
-    <p:sldId id="300" r:id="rId22"/>
-    <p:sldId id="286" r:id="rId23"/>
-    <p:sldId id="294" r:id="rId24"/>
-    <p:sldId id="276" r:id="rId25"/>
+    <p:sldId id="283" r:id="rId14"/>
+    <p:sldId id="290" r:id="rId15"/>
+    <p:sldId id="291" r:id="rId16"/>
+    <p:sldId id="287" r:id="rId17"/>
+    <p:sldId id="297" r:id="rId18"/>
+    <p:sldId id="298" r:id="rId19"/>
+    <p:sldId id="299" r:id="rId20"/>
+    <p:sldId id="300" r:id="rId21"/>
+    <p:sldId id="286" r:id="rId22"/>
+    <p:sldId id="294" r:id="rId23"/>
+    <p:sldId id="276" r:id="rId24"/>
   </p:sldIdLst>
   <p:sldSz cx="12192000" cy="6858000"/>
   <p:notesSz cx="6858000" cy="9144000"/>
@@ -217,7 +216,7 @@
           <a:p>
             <a:fld id="{DCD81C89-AC0D-4BFF-9223-D3157C1DDC5B}" type="datetimeFigureOut">
               <a:rPr lang="en-US" smtClean="0"/>
-              <a:t>8/12/2025</a:t>
+              <a:t>8/13/2025</a:t>
             </a:fld>
             <a:endParaRPr lang="en-US" dirty="0"/>
           </a:p>
@@ -1024,7 +1023,7 @@
           <a:p>
             <a:fld id="{E7B41ED8-AC2E-4560-8CC9-E6292DDF25B6}" type="datetime1">
               <a:rPr lang="en-US" smtClean="0"/>
-              <a:t>8/12/2025</a:t>
+              <a:t>8/13/2025</a:t>
             </a:fld>
             <a:endParaRPr lang="en-US" dirty="0"/>
           </a:p>
@@ -1515,7 +1514,7 @@
           <a:p>
             <a:fld id="{E7B41ED8-AC2E-4560-8CC9-E6292DDF25B6}" type="datetime1">
               <a:rPr lang="en-US" smtClean="0"/>
-              <a:t>8/12/2025</a:t>
+              <a:t>8/13/2025</a:t>
             </a:fld>
             <a:endParaRPr lang="en-US" dirty="0"/>
           </a:p>
@@ -2328,7 +2327,7 @@
           <a:p>
             <a:fld id="{E7B41ED8-AC2E-4560-8CC9-E6292DDF25B6}" type="datetime1">
               <a:rPr lang="en-US" smtClean="0"/>
-              <a:t>8/12/2025</a:t>
+              <a:t>8/13/2025</a:t>
             </a:fld>
             <a:endParaRPr lang="en-US" dirty="0"/>
           </a:p>
@@ -2577,7 +2576,7 @@
           <a:p>
             <a:fld id="{E7B41ED8-AC2E-4560-8CC9-E6292DDF25B6}" type="datetime1">
               <a:rPr lang="en-US" smtClean="0"/>
-              <a:t>8/12/2025</a:t>
+              <a:t>8/13/2025</a:t>
             </a:fld>
             <a:endParaRPr lang="en-US" dirty="0"/>
           </a:p>
@@ -2897,7 +2896,7 @@
           <a:p>
             <a:fld id="{E7B41ED8-AC2E-4560-8CC9-E6292DDF25B6}" type="datetime1">
               <a:rPr lang="en-US" smtClean="0"/>
-              <a:t>8/12/2025</a:t>
+              <a:t>8/13/2025</a:t>
             </a:fld>
             <a:endParaRPr lang="en-US" dirty="0"/>
           </a:p>
@@ -3113,7 +3112,7 @@
           <a:p>
             <a:fld id="{E7B41ED8-AC2E-4560-8CC9-E6292DDF25B6}" type="datetime1">
               <a:rPr lang="en-US" smtClean="0"/>
-              <a:t>8/12/2025</a:t>
+              <a:t>8/13/2025</a:t>
             </a:fld>
             <a:endParaRPr lang="en-US" dirty="0"/>
           </a:p>
@@ -3509,7 +3508,7 @@
           <a:p>
             <a:fld id="{5CB83234-995D-4149-8E1E-BC120E9070D5}" type="datetime1">
               <a:rPr lang="en-US" smtClean="0"/>
-              <a:t>8/12/2025</a:t>
+              <a:t>8/13/2025</a:t>
             </a:fld>
             <a:endParaRPr lang="en-US" dirty="0"/>
           </a:p>
@@ -4203,394 +4202,6 @@
       </p:grpSpPr>
       <p:sp>
         <p:nvSpPr>
-          <p:cNvPr id="5" name="Title 4">
-            <a:extLst>
-              <a:ext uri="{FF2B5EF4-FFF2-40B4-BE49-F238E27FC236}">
-                <a16:creationId xmlns:a16="http://schemas.microsoft.com/office/drawing/2014/main" id="{E04D22D7-CDCB-4EB6-849B-B0B0807DC34F}"/>
-              </a:ext>
-            </a:extLst>
-          </p:cNvPr>
-          <p:cNvSpPr>
-            <a:spLocks noGrp="1"/>
-          </p:cNvSpPr>
-          <p:nvPr>
-            <p:ph type="title"/>
-          </p:nvPr>
-        </p:nvSpPr>
-        <p:spPr>
-          <a:xfrm>
-            <a:off x="1233948" y="548149"/>
-            <a:ext cx="10149840" cy="936522"/>
-          </a:xfrm>
-        </p:spPr>
-        <p:txBody>
-          <a:bodyPr>
-            <a:normAutofit fontScale="90000"/>
-          </a:bodyPr>
-          <a:lstStyle/>
-          <a:p>
-            <a:r>
-              <a:rPr lang="en-IN" dirty="0"/>
-              <a:t>Phase 1 Formulas:</a:t>
-            </a:r>
-            <a:br>
-              <a:rPr lang="en-IN" dirty="0"/>
-            </a:br>
-            <a:endParaRPr lang="en-IN" dirty="0"/>
-          </a:p>
-        </p:txBody>
-      </p:sp>
-      <p:sp>
-        <p:nvSpPr>
-          <p:cNvPr id="6" name="Content Placeholder 5">
-            <a:extLst>
-              <a:ext uri="{FF2B5EF4-FFF2-40B4-BE49-F238E27FC236}">
-                <a16:creationId xmlns:a16="http://schemas.microsoft.com/office/drawing/2014/main" id="{A15633DF-F1B5-7EA7-FBE1-1E950F72280E}"/>
-              </a:ext>
-            </a:extLst>
-          </p:cNvPr>
-          <p:cNvSpPr>
-            <a:spLocks noGrp="1"/>
-          </p:cNvSpPr>
-          <p:nvPr>
-            <p:ph idx="13"/>
-          </p:nvPr>
-        </p:nvSpPr>
-        <p:spPr/>
-        <p:txBody>
-          <a:bodyPr>
-            <a:normAutofit fontScale="77500" lnSpcReduction="20000"/>
-          </a:bodyPr>
-          <a:lstStyle/>
-          <a:p>
-            <a:r>
-              <a:rPr lang="en-IN" dirty="0"/>
-              <a:t>Reward for Assigning Task:</a:t>
-            </a:r>
-          </a:p>
-          <a:p>
-            <a:r>
-              <a:rPr lang="en-IN" dirty="0" err="1"/>
-              <a:t>Ri,j</a:t>
-            </a:r>
-            <a:r>
-              <a:rPr lang="en-IN" i="1" dirty="0" err="1"/>
-              <a:t>Ri</a:t>
-            </a:r>
-            <a:r>
-              <a:rPr lang="en-IN" dirty="0" err="1"/>
-              <a:t>,</a:t>
-            </a:r>
-            <a:r>
-              <a:rPr lang="en-IN" i="1" dirty="0" err="1"/>
-              <a:t>jNet</a:t>
-            </a:r>
-            <a:r>
-              <a:rPr lang="en-IN" i="1" dirty="0"/>
-              <a:t> profit earned by assigning</a:t>
-            </a:r>
-            <a:r>
-              <a:rPr lang="en-IN" dirty="0"/>
-              <a:t> task </a:t>
-            </a:r>
-            <a:r>
-              <a:rPr lang="en-IN" i="1" dirty="0"/>
-              <a:t>ii to</a:t>
-            </a:r>
-            <a:r>
-              <a:rPr lang="en-IN" dirty="0"/>
-              <a:t> server </a:t>
-            </a:r>
-            <a:r>
-              <a:rPr lang="en-IN" i="1" dirty="0" err="1"/>
-              <a:t>jj</a:t>
-            </a:r>
-            <a:r>
-              <a:rPr lang="en-IN" i="1" dirty="0"/>
-              <a:t>.</a:t>
-            </a:r>
-            <a:endParaRPr lang="en-IN" dirty="0"/>
-          </a:p>
-          <a:p>
-            <a:r>
-              <a:rPr lang="en-IN" dirty="0"/>
-              <a:t>Extra Power Consumption:</a:t>
-            </a:r>
-          </a:p>
-          <a:p>
-            <a:r>
-              <a:rPr lang="en-IN" dirty="0" err="1"/>
-              <a:t>Pi,j</a:t>
-            </a:r>
-            <a:r>
-              <a:rPr lang="en-IN" i="1" dirty="0" err="1"/>
-              <a:t>Pi</a:t>
-            </a:r>
-            <a:r>
-              <a:rPr lang="en-IN" dirty="0" err="1"/>
-              <a:t>,</a:t>
-            </a:r>
-            <a:r>
-              <a:rPr lang="en-IN" i="1" dirty="0" err="1"/>
-              <a:t>jAdditional</a:t>
-            </a:r>
-            <a:r>
-              <a:rPr lang="en-IN" i="1" dirty="0"/>
-              <a:t> power used if task</a:t>
-            </a:r>
-            <a:r>
-              <a:rPr lang="en-IN" dirty="0"/>
-              <a:t> </a:t>
-            </a:r>
-            <a:r>
-              <a:rPr lang="en-IN" dirty="0" err="1"/>
-              <a:t>i</a:t>
-            </a:r>
-            <a:r>
-              <a:rPr lang="en-IN" dirty="0"/>
-              <a:t> </a:t>
-            </a:r>
-            <a:r>
-              <a:rPr lang="en-IN" i="1" dirty="0"/>
-              <a:t>is assigned to server</a:t>
-            </a:r>
-            <a:r>
-              <a:rPr lang="en-IN" dirty="0"/>
-              <a:t> j.</a:t>
-            </a:r>
-          </a:p>
-          <a:p>
-            <a:r>
-              <a:rPr lang="en-IN" dirty="0"/>
-              <a:t>Efficiency Metric:</a:t>
-            </a:r>
-          </a:p>
-          <a:p>
-            <a:r>
-              <a:rPr lang="en-IN" dirty="0" err="1"/>
-              <a:t>Efficiencyi,j</a:t>
-            </a:r>
-            <a:r>
-              <a:rPr lang="en-IN" dirty="0"/>
-              <a:t>=</a:t>
-            </a:r>
-            <a:r>
-              <a:rPr lang="en-IN" dirty="0" err="1"/>
-              <a:t>Ri,jPi,jEfficiency</a:t>
-            </a:r>
-            <a:r>
-              <a:rPr lang="en-IN" i="1" dirty="0" err="1"/>
-              <a:t>i</a:t>
-            </a:r>
-            <a:r>
-              <a:rPr lang="en-IN" dirty="0" err="1"/>
-              <a:t>,</a:t>
-            </a:r>
-            <a:r>
-              <a:rPr lang="en-IN" i="1" dirty="0" err="1"/>
-              <a:t>j</a:t>
-            </a:r>
-            <a:r>
-              <a:rPr lang="en-IN" dirty="0"/>
-              <a:t>=</a:t>
-            </a:r>
-            <a:r>
-              <a:rPr lang="en-IN" i="1" dirty="0" err="1"/>
-              <a:t>Pi</a:t>
-            </a:r>
-            <a:r>
-              <a:rPr lang="en-IN" dirty="0" err="1"/>
-              <a:t>,</a:t>
-            </a:r>
-            <a:r>
-              <a:rPr lang="en-IN" i="1" dirty="0" err="1"/>
-              <a:t>jRi</a:t>
-            </a:r>
-            <a:r>
-              <a:rPr lang="en-IN" dirty="0" err="1"/>
-              <a:t>,</a:t>
-            </a:r>
-            <a:r>
-              <a:rPr lang="en-IN" i="1" dirty="0" err="1"/>
-              <a:t>jReward</a:t>
-            </a:r>
-            <a:r>
-              <a:rPr lang="en-IN" i="1" dirty="0"/>
-              <a:t> obtained per extra unit of power consumed.</a:t>
-            </a:r>
-            <a:endParaRPr lang="en-IN" dirty="0"/>
-          </a:p>
-          <a:p>
-            <a:r>
-              <a:rPr lang="en-IN" dirty="0"/>
-              <a:t>Selection Rule:</a:t>
-            </a:r>
-          </a:p>
-          <a:p>
-            <a:r>
-              <a:rPr lang="en-IN" dirty="0"/>
-              <a:t>(</a:t>
-            </a:r>
-            <a:r>
-              <a:rPr lang="en-IN" dirty="0" err="1"/>
-              <a:t>i</a:t>
-            </a:r>
-            <a:r>
-              <a:rPr lang="en-IN" dirty="0"/>
-              <a:t>∗,j∗)=</a:t>
-            </a:r>
-            <a:r>
-              <a:rPr lang="en-IN" dirty="0" err="1"/>
-              <a:t>arg⁡max⁡Ri,jPi,j</a:t>
-            </a:r>
-            <a:r>
-              <a:rPr lang="en-IN" dirty="0"/>
-              <a:t>(</a:t>
-            </a:r>
-            <a:r>
-              <a:rPr lang="en-IN" i="1" dirty="0" err="1"/>
-              <a:t>i</a:t>
-            </a:r>
-            <a:r>
-              <a:rPr lang="en-IN" dirty="0"/>
-              <a:t>∗,</a:t>
-            </a:r>
-            <a:r>
-              <a:rPr lang="en-IN" i="1" dirty="0"/>
-              <a:t>j</a:t>
-            </a:r>
-            <a:r>
-              <a:rPr lang="en-IN" dirty="0"/>
-              <a:t>∗)=</a:t>
-            </a:r>
-            <a:r>
-              <a:rPr lang="en-IN" dirty="0" err="1"/>
-              <a:t>argmax</a:t>
-            </a:r>
-            <a:r>
-              <a:rPr lang="en-IN" i="1" dirty="0" err="1"/>
-              <a:t>Pi</a:t>
-            </a:r>
-            <a:r>
-              <a:rPr lang="en-IN" dirty="0" err="1"/>
-              <a:t>,</a:t>
-            </a:r>
-            <a:r>
-              <a:rPr lang="en-IN" i="1" dirty="0" err="1"/>
-              <a:t>jRi</a:t>
-            </a:r>
-            <a:r>
-              <a:rPr lang="en-IN" dirty="0" err="1"/>
-              <a:t>,</a:t>
-            </a:r>
-            <a:r>
-              <a:rPr lang="en-IN" i="1" dirty="0" err="1"/>
-              <a:t>jPick</a:t>
-            </a:r>
-            <a:r>
-              <a:rPr lang="en-IN" i="1" dirty="0"/>
-              <a:t> the task-server pair with maximum efficiency.</a:t>
-            </a:r>
-            <a:endParaRPr lang="en-IN" dirty="0"/>
-          </a:p>
-          <a:p>
-            <a:r>
-              <a:rPr lang="en-IN" dirty="0"/>
-              <a:t>Assign only if:</a:t>
-            </a:r>
-          </a:p>
-          <a:p>
-            <a:r>
-              <a:rPr lang="en-IN" dirty="0"/>
-              <a:t>∑</a:t>
-            </a:r>
-            <a:r>
-              <a:rPr lang="en-IN" dirty="0" err="1"/>
-              <a:t>jPjtotal+Pi</a:t>
-            </a:r>
-            <a:r>
-              <a:rPr lang="en-IN" dirty="0"/>
-              <a:t>∗,j∗≤</a:t>
-            </a:r>
-            <a:r>
-              <a:rPr lang="en-IN" dirty="0" err="1"/>
-              <a:t>Plimit</a:t>
-            </a:r>
-            <a:r>
-              <a:rPr lang="en-IN" i="1" dirty="0" err="1"/>
-              <a:t>j</a:t>
-            </a:r>
-            <a:r>
-              <a:rPr lang="en-IN" dirty="0" err="1"/>
-              <a:t>∑</a:t>
-            </a:r>
-            <a:r>
-              <a:rPr lang="en-IN" i="1" dirty="0" err="1"/>
-              <a:t>Pjtotal</a:t>
-            </a:r>
-            <a:r>
-              <a:rPr lang="en-IN" dirty="0" err="1"/>
-              <a:t>+</a:t>
-            </a:r>
-            <a:r>
-              <a:rPr lang="en-IN" i="1" dirty="0" err="1"/>
-              <a:t>Pi</a:t>
-            </a:r>
-            <a:r>
-              <a:rPr lang="en-IN" dirty="0"/>
-              <a:t>∗,</a:t>
-            </a:r>
-            <a:r>
-              <a:rPr lang="en-IN" i="1" dirty="0"/>
-              <a:t>j</a:t>
-            </a:r>
-            <a:r>
-              <a:rPr lang="en-IN" dirty="0"/>
-              <a:t>∗≤</a:t>
-            </a:r>
-            <a:r>
-              <a:rPr lang="en-IN" i="1" dirty="0" err="1"/>
-              <a:t>Plimit</a:t>
-            </a:r>
-            <a:br>
-              <a:rPr lang="en-IN" dirty="0"/>
-            </a:br>
-            <a:endParaRPr lang="en-IN" dirty="0"/>
-          </a:p>
-        </p:txBody>
-      </p:sp>
-    </p:spTree>
-    <p:extLst>
-      <p:ext uri="{BB962C8B-B14F-4D97-AF65-F5344CB8AC3E}">
-        <p14:creationId xmlns:p14="http://schemas.microsoft.com/office/powerpoint/2010/main" val="53474873"/>
-      </p:ext>
-    </p:extLst>
-  </p:cSld>
-  <p:clrMapOvr>
-    <a:masterClrMapping/>
-  </p:clrMapOvr>
-</p:sld>
-</file>
-
-<file path=ppt/slides/slide11.xml><?xml version="1.0" encoding="utf-8"?>
-<p:sld xmlns:a="http://schemas.openxmlformats.org/drawingml/2006/main" xmlns:r="http://schemas.openxmlformats.org/officeDocument/2006/relationships" xmlns:p="http://schemas.openxmlformats.org/presentationml/2006/main">
-  <p:cSld>
-    <p:spTree>
-      <p:nvGrpSpPr>
-        <p:cNvPr id="1" name=""/>
-        <p:cNvGrpSpPr/>
-        <p:nvPr/>
-      </p:nvGrpSpPr>
-      <p:grpSpPr>
-        <a:xfrm>
-          <a:off x="0" y="0"/>
-          <a:ext cx="0" cy="0"/>
-          <a:chOff x="0" y="0"/>
-          <a:chExt cx="0" cy="0"/>
-        </a:xfrm>
-      </p:grpSpPr>
-      <p:sp>
-        <p:nvSpPr>
           <p:cNvPr id="2" name="Title 1">
             <a:extLst>
               <a:ext uri="{FF2B5EF4-FFF2-40B4-BE49-F238E27FC236}">
@@ -4662,7 +4273,7 @@
 </p:sld>
 </file>
 
-<file path=ppt/slides/slide12.xml><?xml version="1.0" encoding="utf-8"?>
+<file path=ppt/slides/slide11.xml><?xml version="1.0" encoding="utf-8"?>
 <p:sld xmlns:a="http://schemas.openxmlformats.org/drawingml/2006/main" xmlns:r="http://schemas.openxmlformats.org/officeDocument/2006/relationships" xmlns:p="http://schemas.openxmlformats.org/presentationml/2006/main">
   <p:cSld>
     <p:spTree>
@@ -4978,7 +4589,7 @@
 </p:sld>
 </file>
 
-<file path=ppt/slides/slide13.xml><?xml version="1.0" encoding="utf-8"?>
+<file path=ppt/slides/slide12.xml><?xml version="1.0" encoding="utf-8"?>
 <p:sld xmlns:a="http://schemas.openxmlformats.org/drawingml/2006/main" xmlns:r="http://schemas.openxmlformats.org/officeDocument/2006/relationships" xmlns:p="http://schemas.openxmlformats.org/presentationml/2006/main">
   <p:cSld>
     <p:spTree>
@@ -5228,6 +4839,167 @@
 </p:sld>
 </file>
 
+<file path=ppt/slides/slide13.xml><?xml version="1.0" encoding="utf-8"?>
+<p:sld xmlns:a="http://schemas.openxmlformats.org/drawingml/2006/main" xmlns:r="http://schemas.openxmlformats.org/officeDocument/2006/relationships" xmlns:p="http://schemas.openxmlformats.org/presentationml/2006/main">
+  <p:cSld>
+    <p:spTree>
+      <p:nvGrpSpPr>
+        <p:cNvPr id="1" name=""/>
+        <p:cNvGrpSpPr/>
+        <p:nvPr/>
+      </p:nvGrpSpPr>
+      <p:grpSpPr>
+        <a:xfrm>
+          <a:off x="0" y="0"/>
+          <a:ext cx="0" cy="0"/>
+          <a:chOff x="0" y="0"/>
+          <a:chExt cx="0" cy="0"/>
+        </a:xfrm>
+      </p:grpSpPr>
+      <p:sp>
+        <p:nvSpPr>
+          <p:cNvPr id="2" name="Title 1">
+            <a:extLst>
+              <a:ext uri="{FF2B5EF4-FFF2-40B4-BE49-F238E27FC236}">
+                <a16:creationId xmlns:a16="http://schemas.microsoft.com/office/drawing/2014/main" id="{38A13256-6DA9-9660-E261-84FB661AF414}"/>
+              </a:ext>
+            </a:extLst>
+          </p:cNvPr>
+          <p:cNvSpPr>
+            <a:spLocks noGrp="1"/>
+          </p:cNvSpPr>
+          <p:nvPr>
+            <p:ph type="ctrTitle"/>
+          </p:nvPr>
+        </p:nvSpPr>
+        <p:spPr>
+          <a:xfrm>
+            <a:off x="1554480" y="1445342"/>
+            <a:ext cx="9052560" cy="3949618"/>
+          </a:xfrm>
+        </p:spPr>
+        <p:txBody>
+          <a:bodyPr/>
+          <a:lstStyle/>
+          <a:p>
+            <a:pPr algn="l"/>
+            <a:r>
+              <a:rPr lang="en-IN" sz="1800" dirty="0"/>
+              <a:t>Language: </a:t>
+            </a:r>
+            <a:r>
+              <a:rPr lang="en-IN" sz="1800" b="0" dirty="0"/>
+              <a:t>Python </a:t>
+            </a:r>
+            <a:br>
+              <a:rPr lang="en-IN" sz="1800" b="0" dirty="0"/>
+            </a:br>
+            <a:r>
+              <a:rPr lang="en-IN" sz="1800" dirty="0"/>
+              <a:t>Libraries: </a:t>
+            </a:r>
+            <a:r>
+              <a:rPr lang="en-IN" sz="1800" b="0" dirty="0" err="1"/>
+              <a:t>Numpy</a:t>
+            </a:r>
+            <a:r>
+              <a:rPr lang="en-IN" sz="1800" b="0" dirty="0"/>
+              <a:t>, Pandas, </a:t>
+            </a:r>
+            <a:r>
+              <a:rPr lang="en-IN" sz="1800" b="0" dirty="0" err="1"/>
+              <a:t>NetworkX</a:t>
+            </a:r>
+            <a:r>
+              <a:rPr lang="en-IN" sz="1800" b="0" dirty="0"/>
+              <a:t>, Google OR-Tools.</a:t>
+            </a:r>
+            <a:br>
+              <a:rPr lang="en-IN" sz="1800" b="0" dirty="0"/>
+            </a:br>
+            <a:r>
+              <a:rPr lang="en-IN" sz="1800" dirty="0"/>
+              <a:t>Data input: </a:t>
+            </a:r>
+            <a:r>
+              <a:rPr lang="en-IN" sz="1800" b="0" dirty="0"/>
+              <a:t>Small to medium scale simulated data sets (servers, tasks, coverage).</a:t>
+            </a:r>
+            <a:br>
+              <a:rPr lang="en-IN" sz="1800" b="0" dirty="0"/>
+            </a:br>
+            <a:r>
+              <a:rPr lang="en-IN" sz="1800" dirty="0"/>
+              <a:t>Output: </a:t>
+            </a:r>
+            <a:r>
+              <a:rPr lang="en-IN" sz="1800" b="0" dirty="0"/>
+              <a:t>Console print, CSV files, plots for validation.</a:t>
+            </a:r>
+            <a:br>
+              <a:rPr lang="en-IN" sz="1800" b="0" dirty="0"/>
+            </a:br>
+            <a:r>
+              <a:rPr lang="en-IN" sz="1800" b="0" dirty="0"/>
+              <a:t>simulation environment on PC/laptop.</a:t>
+            </a:r>
+            <a:br>
+              <a:rPr lang="en-IN" sz="1800" b="0" dirty="0"/>
+            </a:br>
+            <a:endParaRPr lang="en-IN" sz="1800" dirty="0"/>
+          </a:p>
+        </p:txBody>
+      </p:sp>
+      <p:sp>
+        <p:nvSpPr>
+          <p:cNvPr id="4" name="Subtitle 3">
+            <a:extLst>
+              <a:ext uri="{FF2B5EF4-FFF2-40B4-BE49-F238E27FC236}">
+                <a16:creationId xmlns:a16="http://schemas.microsoft.com/office/drawing/2014/main" id="{5DAA073C-6F05-67FB-17A7-A1F98AC19407}"/>
+              </a:ext>
+            </a:extLst>
+          </p:cNvPr>
+          <p:cNvSpPr>
+            <a:spLocks noGrp="1"/>
+          </p:cNvSpPr>
+          <p:nvPr>
+            <p:ph type="subTitle" idx="1"/>
+          </p:nvPr>
+        </p:nvSpPr>
+        <p:spPr>
+          <a:xfrm>
+            <a:off x="1554480" y="1849447"/>
+            <a:ext cx="9052560" cy="1097280"/>
+          </a:xfrm>
+        </p:spPr>
+        <p:txBody>
+          <a:bodyPr>
+            <a:normAutofit/>
+          </a:bodyPr>
+          <a:lstStyle/>
+          <a:p>
+            <a:pPr algn="ctr"/>
+            <a:r>
+              <a:rPr lang="en-US" sz="3600" b="1" dirty="0"/>
+              <a:t>Implementation strategy</a:t>
+            </a:r>
+            <a:endParaRPr lang="en-IN" sz="3600" b="1" dirty="0"/>
+          </a:p>
+        </p:txBody>
+      </p:sp>
+    </p:spTree>
+    <p:extLst>
+      <p:ext uri="{BB962C8B-B14F-4D97-AF65-F5344CB8AC3E}">
+        <p14:creationId xmlns:p14="http://schemas.microsoft.com/office/powerpoint/2010/main" val="1470525730"/>
+      </p:ext>
+    </p:extLst>
+  </p:cSld>
+  <p:clrMapOvr>
+    <a:masterClrMapping/>
+  </p:clrMapOvr>
+</p:sld>
+</file>
+
 <file path=ppt/slides/slide14.xml><?xml version="1.0" encoding="utf-8"?>
 <p:sld xmlns:a="http://schemas.openxmlformats.org/drawingml/2006/main" xmlns:r="http://schemas.openxmlformats.org/officeDocument/2006/relationships" xmlns:p="http://schemas.openxmlformats.org/presentationml/2006/main">
   <p:cSld>
@@ -5263,8 +5035,8 @@
         </p:nvSpPr>
         <p:spPr>
           <a:xfrm>
-            <a:off x="1554480" y="1445342"/>
-            <a:ext cx="9052560" cy="3949618"/>
+            <a:off x="1320910" y="720813"/>
+            <a:ext cx="9052560" cy="2439829"/>
           </a:xfrm>
         </p:spPr>
         <p:txBody>
@@ -5332,6 +5104,9 @@
               <a:rPr lang="en-IN" sz="1800" b="0" dirty="0"/>
               <a:t>simulation environment on PC/laptop.</a:t>
             </a:r>
+            <a:br>
+              <a:rPr lang="en-IN" sz="1800" b="0" dirty="0"/>
+            </a:br>
             <a:br>
               <a:rPr lang="en-IN" sz="1800" b="0" dirty="0"/>
             </a:br>
@@ -5357,7 +5132,7 @@
         </p:nvSpPr>
         <p:spPr>
           <a:xfrm>
-            <a:off x="1554480" y="1849447"/>
+            <a:off x="1450119" y="90221"/>
             <a:ext cx="9052560" cy="1097280"/>
           </a:xfrm>
         </p:spPr>
@@ -5376,10 +5151,139 @@
           </a:p>
         </p:txBody>
       </p:sp>
+      <p:sp>
+        <p:nvSpPr>
+          <p:cNvPr id="3" name="TextBox 2">
+            <a:extLst>
+              <a:ext uri="{FF2B5EF4-FFF2-40B4-BE49-F238E27FC236}">
+                <a16:creationId xmlns:a16="http://schemas.microsoft.com/office/drawing/2014/main" id="{4552F59D-D12B-E59A-280E-54AFFD211F25}"/>
+              </a:ext>
+            </a:extLst>
+          </p:cNvPr>
+          <p:cNvSpPr txBox="1"/>
+          <p:nvPr/>
+        </p:nvSpPr>
+        <p:spPr>
+          <a:xfrm>
+            <a:off x="1320910" y="2892287"/>
+            <a:ext cx="9550179" cy="1569660"/>
+          </a:xfrm>
+          <a:prstGeom prst="rect">
+            <a:avLst/>
+          </a:prstGeom>
+          <a:noFill/>
+        </p:spPr>
+        <p:txBody>
+          <a:bodyPr wrap="square" rtlCol="0">
+            <a:spAutoFit/>
+          </a:bodyPr>
+          <a:lstStyle/>
+          <a:p>
+            <a:r>
+              <a:rPr lang="en-US" sz="1600" dirty="0"/>
+              <a:t>The implementation will be carried out entirely in </a:t>
+            </a:r>
+            <a:r>
+              <a:rPr lang="en-US" sz="1600" b="1" dirty="0"/>
+              <a:t>Python</a:t>
+            </a:r>
+            <a:r>
+              <a:rPr lang="en-US" sz="1600" dirty="0"/>
+              <a:t>, using </a:t>
+            </a:r>
+            <a:r>
+              <a:rPr lang="en-US" sz="1600" b="1" dirty="0"/>
+              <a:t>NumPy</a:t>
+            </a:r>
+            <a:r>
+              <a:rPr lang="en-US" sz="1600" dirty="0"/>
+              <a:t> and </a:t>
+            </a:r>
+            <a:r>
+              <a:rPr lang="en-US" sz="1600" b="1" dirty="0"/>
+              <a:t>Pandas</a:t>
+            </a:r>
+            <a:r>
+              <a:rPr lang="en-US" sz="1600" dirty="0"/>
+              <a:t> for data handling, </a:t>
+            </a:r>
+            <a:r>
+              <a:rPr lang="en-US" sz="1600" b="1" dirty="0" err="1"/>
+              <a:t>NetworkX</a:t>
+            </a:r>
+            <a:r>
+              <a:rPr lang="en-US" sz="1600" dirty="0"/>
+              <a:t> for graph-based task allocation modeling, and </a:t>
+            </a:r>
+            <a:r>
+              <a:rPr lang="en-US" sz="1600" b="1" dirty="0"/>
+              <a:t>Google OR-Tools</a:t>
+            </a:r>
+            <a:r>
+              <a:rPr lang="en-US" sz="1600" dirty="0"/>
+              <a:t> for optimization.</a:t>
+            </a:r>
+            <a:br>
+              <a:rPr lang="en-US" sz="1600" dirty="0"/>
+            </a:br>
+            <a:r>
+              <a:rPr lang="en-US" sz="1600" dirty="0"/>
+              <a:t>We will work with </a:t>
+            </a:r>
+            <a:r>
+              <a:rPr lang="en-US" sz="1600" b="1" dirty="0"/>
+              <a:t>small to medium-scale simulated datasets</a:t>
+            </a:r>
+            <a:r>
+              <a:rPr lang="en-US" sz="1600" dirty="0"/>
+              <a:t> representing servers, tasks, and coverage information.</a:t>
+            </a:r>
+            <a:br>
+              <a:rPr lang="en-US" sz="1600" dirty="0"/>
+            </a:br>
+            <a:r>
+              <a:rPr lang="en-US" sz="1600" dirty="0"/>
+              <a:t>The simulation will produce </a:t>
+            </a:r>
+            <a:r>
+              <a:rPr lang="en-US" sz="1600" b="1" dirty="0"/>
+              <a:t>console outputs</a:t>
+            </a:r>
+            <a:r>
+              <a:rPr lang="en-US" sz="1600" dirty="0"/>
+              <a:t>, </a:t>
+            </a:r>
+            <a:r>
+              <a:rPr lang="en-US" sz="1600" b="1" dirty="0"/>
+              <a:t>CSV files</a:t>
+            </a:r>
+            <a:r>
+              <a:rPr lang="en-US" sz="1600" dirty="0"/>
+              <a:t> for results storage, and </a:t>
+            </a:r>
+            <a:r>
+              <a:rPr lang="en-US" sz="1600" b="1" dirty="0"/>
+              <a:t>plots</a:t>
+            </a:r>
+            <a:r>
+              <a:rPr lang="en-US" sz="1600" dirty="0"/>
+              <a:t> for performance validation, all running on a </a:t>
+            </a:r>
+            <a:r>
+              <a:rPr lang="en-US" sz="1600" b="1" dirty="0"/>
+              <a:t>PC or laptop</a:t>
+            </a:r>
+            <a:r>
+              <a:rPr lang="en-US" sz="1600" dirty="0"/>
+              <a:t> without requiring specialized hardware.</a:t>
+            </a:r>
+          </a:p>
+        </p:txBody>
+      </p:sp>
     </p:spTree>
     <p:extLst>
       <p:ext uri="{BB962C8B-B14F-4D97-AF65-F5344CB8AC3E}">
-        <p14:creationId xmlns:p14="http://schemas.microsoft.com/office/powerpoint/2010/main" val="1470525730"/>
+        <p14:creationId xmlns:p14="http://schemas.microsoft.com/office/powerpoint/2010/main" val="2685049754"/>
       </p:ext>
     </p:extLst>
   </p:cSld>
@@ -5411,7 +5315,7 @@
           <p:cNvPr id="2" name="Title 1">
             <a:extLst>
               <a:ext uri="{FF2B5EF4-FFF2-40B4-BE49-F238E27FC236}">
-                <a16:creationId xmlns:a16="http://schemas.microsoft.com/office/drawing/2014/main" id="{38A13256-6DA9-9660-E261-84FB661AF414}"/>
+                <a16:creationId xmlns:a16="http://schemas.microsoft.com/office/drawing/2014/main" id="{59D09392-C4D6-292C-9864-B4D3B7BEEA98}"/>
               </a:ext>
             </a:extLst>
           </p:cNvPr>
@@ -5424,119 +5328,38 @@
         </p:nvSpPr>
         <p:spPr>
           <a:xfrm>
-            <a:off x="1320910" y="720813"/>
-            <a:ext cx="9052560" cy="2439829"/>
+            <a:off x="1554480" y="1554480"/>
+            <a:ext cx="4771778" cy="5169342"/>
           </a:xfrm>
         </p:spPr>
         <p:txBody>
           <a:bodyPr/>
           <a:lstStyle/>
           <a:p>
-            <a:pPr algn="l"/>
-            <a:r>
-              <a:rPr lang="en-IN" sz="1800" dirty="0"/>
-              <a:t>Language: </a:t>
-            </a:r>
-            <a:r>
-              <a:rPr lang="en-IN" sz="1800" b="0" dirty="0"/>
-              <a:t>Python </a:t>
+            <a:r>
+              <a:rPr lang="en-US" sz="3200" dirty="0"/>
+              <a:t>State of the art literature</a:t>
             </a:r>
             <a:br>
-              <a:rPr lang="en-IN" sz="1800" b="0" dirty="0"/>
-            </a:br>
-            <a:r>
-              <a:rPr lang="en-IN" sz="1800" dirty="0"/>
-              <a:t>Libraries: </a:t>
-            </a:r>
-            <a:r>
-              <a:rPr lang="en-IN" sz="1800" b="0" dirty="0" err="1"/>
-              <a:t>Numpy</a:t>
-            </a:r>
-            <a:r>
-              <a:rPr lang="en-IN" sz="1800" b="0" dirty="0"/>
-              <a:t>, Pandas, </a:t>
-            </a:r>
-            <a:r>
-              <a:rPr lang="en-IN" sz="1800" b="0" dirty="0" err="1"/>
-              <a:t>NetworkX</a:t>
-            </a:r>
-            <a:r>
-              <a:rPr lang="en-IN" sz="1800" b="0" dirty="0"/>
-              <a:t>, Google OR-Tools.</a:t>
-            </a:r>
-            <a:br>
-              <a:rPr lang="en-IN" sz="1800" b="0" dirty="0"/>
-            </a:br>
-            <a:r>
-              <a:rPr lang="en-IN" sz="1800" dirty="0"/>
-              <a:t>Data input: </a:t>
-            </a:r>
-            <a:r>
-              <a:rPr lang="en-IN" sz="1800" b="0" dirty="0"/>
-              <a:t>Small to medium scale simulated data sets (servers, tasks, coverage).</a:t>
-            </a:r>
-            <a:br>
-              <a:rPr lang="en-IN" sz="1800" b="0" dirty="0"/>
-            </a:br>
-            <a:r>
-              <a:rPr lang="en-IN" sz="1800" dirty="0"/>
-              <a:t>Output: </a:t>
-            </a:r>
-            <a:r>
-              <a:rPr lang="en-IN" sz="1800" b="0" dirty="0"/>
-              <a:t>Console print, CSV files, plots for validation.</a:t>
-            </a:r>
-            <a:br>
-              <a:rPr lang="en-IN" sz="1800" b="0" dirty="0"/>
-            </a:br>
-            <a:r>
-              <a:rPr lang="en-IN" sz="1800" b="0" dirty="0"/>
-              <a:t>simulation environment on PC/laptop.</a:t>
-            </a:r>
-            <a:br>
-              <a:rPr lang="en-IN" sz="1800" b="0" dirty="0"/>
+              <a:rPr lang="en-US" sz="3200" dirty="0"/>
             </a:br>
             <a:br>
-              <a:rPr lang="en-IN" sz="1800" b="0" dirty="0"/>
+              <a:rPr lang="en-US" sz="3200" dirty="0"/>
+            </a:br>
+            <a:r>
+              <a:rPr lang="en-US" sz="1800" dirty="0"/>
+              <a:t>Energy-Aware Workload Offloading in Vehicular Edge Computing</a:t>
+            </a:r>
+            <a:br>
+              <a:rPr lang="en-US" sz="1800" dirty="0"/>
+            </a:br>
+            <a:br>
+              <a:rPr lang="en-US" sz="1800" dirty="0"/>
+            </a:br>
+            <a:br>
+              <a:rPr lang="en-US" sz="1800" dirty="0"/>
             </a:br>
             <a:endParaRPr lang="en-IN" sz="1800" dirty="0"/>
-          </a:p>
-        </p:txBody>
-      </p:sp>
-      <p:sp>
-        <p:nvSpPr>
-          <p:cNvPr id="4" name="Subtitle 3">
-            <a:extLst>
-              <a:ext uri="{FF2B5EF4-FFF2-40B4-BE49-F238E27FC236}">
-                <a16:creationId xmlns:a16="http://schemas.microsoft.com/office/drawing/2014/main" id="{5DAA073C-6F05-67FB-17A7-A1F98AC19407}"/>
-              </a:ext>
-            </a:extLst>
-          </p:cNvPr>
-          <p:cNvSpPr>
-            <a:spLocks noGrp="1"/>
-          </p:cNvSpPr>
-          <p:nvPr>
-            <p:ph type="subTitle" idx="1"/>
-          </p:nvPr>
-        </p:nvSpPr>
-        <p:spPr>
-          <a:xfrm>
-            <a:off x="1450119" y="90221"/>
-            <a:ext cx="9052560" cy="1097280"/>
-          </a:xfrm>
-        </p:spPr>
-        <p:txBody>
-          <a:bodyPr>
-            <a:normAutofit/>
-          </a:bodyPr>
-          <a:lstStyle/>
-          <a:p>
-            <a:pPr algn="ctr"/>
-            <a:r>
-              <a:rPr lang="en-US" sz="3600" b="1" dirty="0"/>
-              <a:t>Implementation strategy</a:t>
-            </a:r>
-            <a:endParaRPr lang="en-IN" sz="3600" b="1" dirty="0"/>
           </a:p>
         </p:txBody>
       </p:sp>
@@ -5545,7 +5368,7 @@
           <p:cNvPr id="3" name="TextBox 2">
             <a:extLst>
               <a:ext uri="{FF2B5EF4-FFF2-40B4-BE49-F238E27FC236}">
-                <a16:creationId xmlns:a16="http://schemas.microsoft.com/office/drawing/2014/main" id="{4552F59D-D12B-E59A-280E-54AFFD211F25}"/>
+                <a16:creationId xmlns:a16="http://schemas.microsoft.com/office/drawing/2014/main" id="{D8BA0A6B-AF8F-E8E6-518C-9D1C41486AE0}"/>
               </a:ext>
             </a:extLst>
           </p:cNvPr>
@@ -5554,8 +5377,8 @@
         </p:nvSpPr>
         <p:spPr>
           <a:xfrm>
-            <a:off x="1320910" y="2892287"/>
-            <a:ext cx="9550179" cy="1569660"/>
+            <a:off x="6314662" y="1336812"/>
+            <a:ext cx="5801139" cy="3416320"/>
           </a:xfrm>
           <a:prstGeom prst="rect">
             <a:avLst/>
@@ -5569,102 +5392,363 @@
           <a:lstStyle/>
           <a:p>
             <a:r>
-              <a:rPr lang="en-US" sz="1600" dirty="0"/>
-              <a:t>The implementation will be carried out entirely in </a:t>
-            </a:r>
-            <a:r>
-              <a:rPr lang="en-US" sz="1600" b="1" dirty="0"/>
-              <a:t>Python</a:t>
-            </a:r>
-            <a:r>
-              <a:rPr lang="en-US" sz="1600" dirty="0"/>
-              <a:t>, using </a:t>
-            </a:r>
-            <a:r>
-              <a:rPr lang="en-US" sz="1600" b="1" dirty="0"/>
-              <a:t>NumPy</a:t>
-            </a:r>
-            <a:r>
-              <a:rPr lang="en-US" sz="1600" dirty="0"/>
-              <a:t> and </a:t>
-            </a:r>
-            <a:r>
-              <a:rPr lang="en-US" sz="1600" b="1" dirty="0"/>
-              <a:t>Pandas</a:t>
-            </a:r>
-            <a:r>
-              <a:rPr lang="en-US" sz="1600" dirty="0"/>
-              <a:t> for data handling, </a:t>
-            </a:r>
-            <a:r>
-              <a:rPr lang="en-US" sz="1600" b="1" dirty="0" err="1"/>
-              <a:t>NetworkX</a:t>
-            </a:r>
-            <a:r>
-              <a:rPr lang="en-US" sz="1600" dirty="0"/>
-              <a:t> for graph-based task allocation modeling, and </a:t>
-            </a:r>
-            <a:r>
-              <a:rPr lang="en-US" sz="1600" b="1" dirty="0"/>
-              <a:t>Google OR-Tools</a:t>
-            </a:r>
-            <a:r>
-              <a:rPr lang="en-US" sz="1600" dirty="0"/>
-              <a:t> for optimization.</a:t>
+              <a:rPr lang="en-US" b="1" dirty="0"/>
+              <a:t>Pros</a:t>
+            </a:r>
+            <a:r>
+              <a:rPr lang="en-US" dirty="0"/>
+              <a:t> </a:t>
+            </a:r>
+          </a:p>
+          <a:p>
+            <a:r>
+              <a:rPr lang="en-US" dirty="0"/>
+              <a:t>*Saves vehicle battery by minimizing energy use.</a:t>
+            </a:r>
+          </a:p>
+          <a:p>
+            <a:r>
+              <a:rPr lang="en-US" dirty="0"/>
+              <a:t>*Meets strict task delay requirements.</a:t>
+            </a:r>
+          </a:p>
+          <a:p>
+            <a:r>
+              <a:rPr lang="en-US" dirty="0"/>
+              <a:t>*Considers mobility and network changes.</a:t>
+            </a:r>
+          </a:p>
+          <a:p>
+            <a:r>
+              <a:rPr lang="en-US" b="1" dirty="0"/>
+              <a:t>Cons</a:t>
+            </a:r>
+            <a:r>
+              <a:rPr lang="en-US" dirty="0"/>
+              <a:t> </a:t>
+            </a:r>
+          </a:p>
+          <a:p>
+            <a:r>
+              <a:rPr lang="en-US" dirty="0"/>
+              <a:t>*Ignores edge server power optimization.</a:t>
+            </a:r>
+          </a:p>
+          <a:p>
+            <a:r>
+              <a:rPr lang="en-US" dirty="0"/>
+              <a:t>*Higher computation cost for large networks.</a:t>
+            </a:r>
+          </a:p>
+          <a:p>
+            <a:r>
+              <a:rPr lang="en-US" dirty="0"/>
+              <a:t>*No profit/reward consideration.</a:t>
+            </a:r>
+          </a:p>
+          <a:p>
+            <a:endParaRPr lang="en-US" dirty="0"/>
+          </a:p>
+          <a:p>
+            <a:endParaRPr lang="en-US" dirty="0"/>
+          </a:p>
+          <a:p>
+            <a:endParaRPr lang="en-US" dirty="0"/>
+          </a:p>
+          <a:p>
+            <a:r>
+              <a:rPr lang="en-US" dirty="0"/>
+              <a:t>https://doi.org/10.1109/ACCESS.2019.2894257</a:t>
+            </a:r>
+          </a:p>
+        </p:txBody>
+      </p:sp>
+      <p:sp>
+        <p:nvSpPr>
+          <p:cNvPr id="6" name="TextBox 5">
+            <a:extLst>
+              <a:ext uri="{FF2B5EF4-FFF2-40B4-BE49-F238E27FC236}">
+                <a16:creationId xmlns:a16="http://schemas.microsoft.com/office/drawing/2014/main" id="{FED823C9-5DE4-FA78-C54C-F1B5A2191DEA}"/>
+              </a:ext>
+            </a:extLst>
+          </p:cNvPr>
+          <p:cNvSpPr txBox="1"/>
+          <p:nvPr/>
+        </p:nvSpPr>
+        <p:spPr>
+          <a:xfrm>
+            <a:off x="1333086" y="3273720"/>
+            <a:ext cx="4615484" cy="3416320"/>
+          </a:xfrm>
+          <a:prstGeom prst="rect">
+            <a:avLst/>
+          </a:prstGeom>
+          <a:noFill/>
+        </p:spPr>
+        <p:txBody>
+          <a:bodyPr wrap="square">
+            <a:spAutoFit/>
+          </a:bodyPr>
+          <a:lstStyle/>
+          <a:p>
+            <a:pPr marL="0" marR="0" lvl="0" indent="0" algn="l" defTabSz="914400" rtl="0" eaLnBrk="0" fontAlgn="base" latinLnBrk="0" hangingPunct="0">
+              <a:lnSpc>
+                <a:spcPct val="100000"/>
+              </a:lnSpc>
+              <a:spcBef>
+                <a:spcPct val="0"/>
+              </a:spcBef>
+              <a:spcAft>
+                <a:spcPct val="0"/>
+              </a:spcAft>
+              <a:buClrTx/>
+              <a:buSzTx/>
+              <a:buFontTx/>
+              <a:buNone/>
+              <a:tabLst/>
+            </a:pPr>
+            <a:endParaRPr kumimoji="0" lang="en-US" altLang="en-US" sz="1800" b="0" i="0" u="none" strike="noStrike" cap="none" normalizeH="0" baseline="0" dirty="0">
+              <a:ln>
+                <a:noFill/>
+              </a:ln>
+              <a:solidFill>
+                <a:schemeClr val="tx1"/>
+              </a:solidFill>
+              <a:effectLst/>
+              <a:latin typeface="Arial" panose="020B0604020202020204" pitchFamily="34" charset="0"/>
+            </a:endParaRPr>
+          </a:p>
+          <a:p>
+            <a:pPr marL="0" marR="0" lvl="0" indent="0" algn="l" defTabSz="914400" rtl="0" eaLnBrk="0" fontAlgn="base" latinLnBrk="0" hangingPunct="0">
+              <a:lnSpc>
+                <a:spcPct val="100000"/>
+              </a:lnSpc>
+              <a:spcBef>
+                <a:spcPct val="0"/>
+              </a:spcBef>
+              <a:spcAft>
+                <a:spcPct val="0"/>
+              </a:spcAft>
+              <a:buClrTx/>
+              <a:buSzTx/>
+              <a:buFontTx/>
+              <a:buNone/>
+              <a:tabLst/>
+            </a:pPr>
+            <a:endParaRPr lang="en-US" altLang="en-US" dirty="0">
+              <a:latin typeface="Arial" panose="020B0604020202020204" pitchFamily="34" charset="0"/>
+            </a:endParaRPr>
+          </a:p>
+          <a:p>
+            <a:pPr marL="0" marR="0" lvl="0" indent="0" algn="l" defTabSz="914400" rtl="0" eaLnBrk="0" fontAlgn="base" latinLnBrk="0" hangingPunct="0">
+              <a:lnSpc>
+                <a:spcPct val="100000"/>
+              </a:lnSpc>
+              <a:spcBef>
+                <a:spcPct val="0"/>
+              </a:spcBef>
+              <a:spcAft>
+                <a:spcPct val="0"/>
+              </a:spcAft>
+              <a:buClrTx/>
+              <a:buSzTx/>
+              <a:buFontTx/>
+              <a:buNone/>
+              <a:tabLst/>
+            </a:pPr>
+            <a:r>
+              <a:rPr kumimoji="0" lang="en-US" altLang="en-US" sz="1800" b="0" i="0" u="none" strike="noStrike" cap="none" normalizeH="0" baseline="0" dirty="0">
+                <a:ln>
+                  <a:noFill/>
+                </a:ln>
+                <a:solidFill>
+                  <a:schemeClr val="tx1"/>
+                </a:solidFill>
+                <a:effectLst/>
+                <a:latin typeface="Arial" panose="020B0604020202020204" pitchFamily="34" charset="0"/>
+              </a:rPr>
+              <a:t>The </a:t>
+            </a:r>
+            <a:r>
+              <a:rPr kumimoji="0" lang="en-US" altLang="en-US" sz="1800" b="1" i="0" u="none" strike="noStrike" cap="none" normalizeH="0" baseline="0" dirty="0">
+                <a:ln>
+                  <a:noFill/>
+                </a:ln>
+                <a:solidFill>
+                  <a:schemeClr val="tx1"/>
+                </a:solidFill>
+                <a:effectLst/>
+                <a:latin typeface="Arial" panose="020B0604020202020204" pitchFamily="34" charset="0"/>
+              </a:rPr>
+              <a:t>Energy-Aware Workload Offloading in Vehicular Edge Computing</a:t>
+            </a:r>
+            <a:r>
+              <a:rPr kumimoji="0" lang="en-US" altLang="en-US" sz="1800" b="0" i="0" u="none" strike="noStrike" cap="none" normalizeH="0" baseline="0" dirty="0">
+                <a:ln>
+                  <a:noFill/>
+                </a:ln>
+                <a:solidFill>
+                  <a:schemeClr val="tx1"/>
+                </a:solidFill>
+                <a:effectLst/>
+                <a:latin typeface="Arial" panose="020B0604020202020204" pitchFamily="34" charset="0"/>
+              </a:rPr>
+              <a:t> paper proposes a system that decides whether a vehicle’s task should run locally or be offloaded to a roadside edge server, aiming to </a:t>
+            </a:r>
+            <a:r>
+              <a:rPr kumimoji="0" lang="en-US" altLang="en-US" sz="1800" b="1" i="0" u="none" strike="noStrike" cap="none" normalizeH="0" baseline="0" dirty="0">
+                <a:ln>
+                  <a:noFill/>
+                </a:ln>
+                <a:solidFill>
+                  <a:schemeClr val="tx1"/>
+                </a:solidFill>
+                <a:effectLst/>
+                <a:latin typeface="Arial" panose="020B0604020202020204" pitchFamily="34" charset="0"/>
+              </a:rPr>
+              <a:t>minimize vehicle energy use</a:t>
+            </a:r>
+            <a:r>
+              <a:rPr kumimoji="0" lang="en-US" altLang="en-US" sz="1800" b="0" i="0" u="none" strike="noStrike" cap="none" normalizeH="0" baseline="0" dirty="0">
+                <a:ln>
+                  <a:noFill/>
+                </a:ln>
+                <a:solidFill>
+                  <a:schemeClr val="tx1"/>
+                </a:solidFill>
+                <a:effectLst/>
+                <a:latin typeface="Arial" panose="020B0604020202020204" pitchFamily="34" charset="0"/>
+              </a:rPr>
+              <a:t> while meeting </a:t>
+            </a:r>
+            <a:r>
+              <a:rPr kumimoji="0" lang="en-US" altLang="en-US" sz="1800" b="1" i="0" u="none" strike="noStrike" cap="none" normalizeH="0" baseline="0" dirty="0">
+                <a:ln>
+                  <a:noFill/>
+                </a:ln>
+                <a:solidFill>
+                  <a:schemeClr val="tx1"/>
+                </a:solidFill>
+                <a:effectLst/>
+                <a:latin typeface="Arial" panose="020B0604020202020204" pitchFamily="34" charset="0"/>
+              </a:rPr>
+              <a:t>strict delay limits</a:t>
+            </a:r>
+            <a:r>
+              <a:rPr kumimoji="0" lang="en-US" altLang="en-US" sz="1800" b="0" i="0" u="none" strike="noStrike" cap="none" normalizeH="0" baseline="0" dirty="0">
+                <a:ln>
+                  <a:noFill/>
+                </a:ln>
+                <a:solidFill>
+                  <a:schemeClr val="tx1"/>
+                </a:solidFill>
+                <a:effectLst/>
+                <a:latin typeface="Arial" panose="020B0604020202020204" pitchFamily="34" charset="0"/>
+              </a:rPr>
+              <a:t>.</a:t>
             </a:r>
             <a:br>
-              <a:rPr lang="en-US" sz="1600" dirty="0"/>
+              <a:rPr kumimoji="0" lang="en-US" altLang="en-US" sz="1800" b="0" i="0" u="none" strike="noStrike" cap="none" normalizeH="0" baseline="0" dirty="0">
+                <a:ln>
+                  <a:noFill/>
+                </a:ln>
+                <a:solidFill>
+                  <a:schemeClr val="tx1"/>
+                </a:solidFill>
+                <a:effectLst/>
+                <a:latin typeface="Arial" panose="020B0604020202020204" pitchFamily="34" charset="0"/>
+              </a:rPr>
             </a:br>
             <a:r>
-              <a:rPr lang="en-US" sz="1600" dirty="0"/>
-              <a:t>We will work with </a:t>
-            </a:r>
-            <a:r>
-              <a:rPr lang="en-US" sz="1600" b="1" dirty="0"/>
-              <a:t>small to medium-scale simulated datasets</a:t>
-            </a:r>
-            <a:r>
-              <a:rPr lang="en-US" sz="1600" dirty="0"/>
-              <a:t> representing servers, tasks, and coverage information.</a:t>
-            </a:r>
-            <a:br>
-              <a:rPr lang="en-US" sz="1600" dirty="0"/>
-            </a:br>
-            <a:r>
-              <a:rPr lang="en-US" sz="1600" dirty="0"/>
-              <a:t>The simulation will produce </a:t>
-            </a:r>
-            <a:r>
-              <a:rPr lang="en-US" sz="1600" b="1" dirty="0"/>
-              <a:t>console outputs</a:t>
-            </a:r>
-            <a:r>
-              <a:rPr lang="en-US" sz="1600" dirty="0"/>
+              <a:rPr kumimoji="0" lang="en-US" altLang="en-US" sz="1800" b="0" i="0" u="none" strike="noStrike" cap="none" normalizeH="0" baseline="0" dirty="0">
+                <a:ln>
+                  <a:noFill/>
+                </a:ln>
+                <a:solidFill>
+                  <a:schemeClr val="tx1"/>
+                </a:solidFill>
+                <a:effectLst/>
+                <a:latin typeface="Arial" panose="020B0604020202020204" pitchFamily="34" charset="0"/>
+              </a:rPr>
+              <a:t>It considers </a:t>
+            </a:r>
+            <a:r>
+              <a:rPr kumimoji="0" lang="en-US" altLang="en-US" sz="1800" b="1" i="0" u="none" strike="noStrike" cap="none" normalizeH="0" baseline="0" dirty="0">
+                <a:ln>
+                  <a:noFill/>
+                </a:ln>
+                <a:solidFill>
+                  <a:schemeClr val="tx1"/>
+                </a:solidFill>
+                <a:effectLst/>
+                <a:latin typeface="Arial" panose="020B0604020202020204" pitchFamily="34" charset="0"/>
+              </a:rPr>
+              <a:t>mobility</a:t>
+            </a:r>
+            <a:r>
+              <a:rPr kumimoji="0" lang="en-US" altLang="en-US" sz="1800" b="0" i="0" u="none" strike="noStrike" cap="none" normalizeH="0" baseline="0" dirty="0">
+                <a:ln>
+                  <a:noFill/>
+                </a:ln>
+                <a:solidFill>
+                  <a:schemeClr val="tx1"/>
+                </a:solidFill>
+                <a:effectLst/>
+                <a:latin typeface="Arial" panose="020B0604020202020204" pitchFamily="34" charset="0"/>
+              </a:rPr>
               <a:t>, </a:t>
             </a:r>
             <a:r>
-              <a:rPr lang="en-US" sz="1600" b="1" dirty="0"/>
-              <a:t>CSV files</a:t>
-            </a:r>
-            <a:r>
-              <a:rPr lang="en-US" sz="1600" dirty="0"/>
-              <a:t> for results storage, and </a:t>
-            </a:r>
-            <a:r>
-              <a:rPr lang="en-US" sz="1600" b="1" dirty="0"/>
-              <a:t>plots</a:t>
-            </a:r>
-            <a:r>
-              <a:rPr lang="en-US" sz="1600" dirty="0"/>
-              <a:t> for performance validation, all running on a </a:t>
-            </a:r>
-            <a:r>
-              <a:rPr lang="en-US" sz="1600" b="1" dirty="0"/>
-              <a:t>PC or laptop</a:t>
-            </a:r>
-            <a:r>
-              <a:rPr lang="en-US" sz="1600" dirty="0"/>
-              <a:t> without requiring specialized hardware.</a:t>
+              <a:rPr kumimoji="0" lang="en-US" altLang="en-US" sz="1800" b="1" i="0" u="none" strike="noStrike" cap="none" normalizeH="0" baseline="0" dirty="0">
+                <a:ln>
+                  <a:noFill/>
+                </a:ln>
+                <a:solidFill>
+                  <a:schemeClr val="tx1"/>
+                </a:solidFill>
+                <a:effectLst/>
+                <a:latin typeface="Arial" panose="020B0604020202020204" pitchFamily="34" charset="0"/>
+              </a:rPr>
+              <a:t>network quality</a:t>
+            </a:r>
+            <a:r>
+              <a:rPr kumimoji="0" lang="en-US" altLang="en-US" sz="1800" b="0" i="0" u="none" strike="noStrike" cap="none" normalizeH="0" baseline="0" dirty="0">
+                <a:ln>
+                  <a:noFill/>
+                </a:ln>
+                <a:solidFill>
+                  <a:schemeClr val="tx1"/>
+                </a:solidFill>
+                <a:effectLst/>
+                <a:latin typeface="Arial" panose="020B0604020202020204" pitchFamily="34" charset="0"/>
+              </a:rPr>
+              <a:t>, and </a:t>
+            </a:r>
+            <a:r>
+              <a:rPr kumimoji="0" lang="en-US" altLang="en-US" sz="1800" b="1" i="0" u="none" strike="noStrike" cap="none" normalizeH="0" baseline="0" dirty="0">
+                <a:ln>
+                  <a:noFill/>
+                </a:ln>
+                <a:solidFill>
+                  <a:schemeClr val="tx1"/>
+                </a:solidFill>
+                <a:effectLst/>
+                <a:latin typeface="Arial" panose="020B0604020202020204" pitchFamily="34" charset="0"/>
+              </a:rPr>
+              <a:t>server resources</a:t>
+            </a:r>
+            <a:r>
+              <a:rPr kumimoji="0" lang="en-US" altLang="en-US" sz="1800" b="0" i="0" u="none" strike="noStrike" cap="none" normalizeH="0" baseline="0" dirty="0">
+                <a:ln>
+                  <a:noFill/>
+                </a:ln>
+                <a:solidFill>
+                  <a:schemeClr val="tx1"/>
+                </a:solidFill>
+                <a:effectLst/>
+                <a:latin typeface="Arial" panose="020B0604020202020204" pitchFamily="34" charset="0"/>
+              </a:rPr>
+              <a:t> to offload only energy-saving tasks without deadline violations.</a:t>
             </a:r>
           </a:p>
         </p:txBody>
@@ -5672,7 +5756,7 @@
     </p:spTree>
     <p:extLst>
       <p:ext uri="{BB962C8B-B14F-4D97-AF65-F5344CB8AC3E}">
-        <p14:creationId xmlns:p14="http://schemas.microsoft.com/office/powerpoint/2010/main" val="2685049754"/>
+        <p14:creationId xmlns:p14="http://schemas.microsoft.com/office/powerpoint/2010/main" val="1814607275"/>
       </p:ext>
     </p:extLst>
   </p:cSld>
@@ -5704,479 +5788,6 @@
           <p:cNvPr id="2" name="Title 1">
             <a:extLst>
               <a:ext uri="{FF2B5EF4-FFF2-40B4-BE49-F238E27FC236}">
-                <a16:creationId xmlns:a16="http://schemas.microsoft.com/office/drawing/2014/main" id="{59D09392-C4D6-292C-9864-B4D3B7BEEA98}"/>
-              </a:ext>
-            </a:extLst>
-          </p:cNvPr>
-          <p:cNvSpPr>
-            <a:spLocks noGrp="1"/>
-          </p:cNvSpPr>
-          <p:nvPr>
-            <p:ph type="ctrTitle"/>
-          </p:nvPr>
-        </p:nvSpPr>
-        <p:spPr>
-          <a:xfrm>
-            <a:off x="1554480" y="1554480"/>
-            <a:ext cx="4771778" cy="5169342"/>
-          </a:xfrm>
-        </p:spPr>
-        <p:txBody>
-          <a:bodyPr/>
-          <a:lstStyle/>
-          <a:p>
-            <a:r>
-              <a:rPr lang="en-US" sz="3200" dirty="0"/>
-              <a:t>State of the art literature</a:t>
-            </a:r>
-            <a:br>
-              <a:rPr lang="en-US" sz="3200" dirty="0"/>
-            </a:br>
-            <a:br>
-              <a:rPr lang="en-US" sz="3200" dirty="0"/>
-            </a:br>
-            <a:r>
-              <a:rPr lang="en-US" sz="1800" dirty="0"/>
-              <a:t>Energy-Aware Workload Offloading in Vehicular Edge Computing</a:t>
-            </a:r>
-            <a:br>
-              <a:rPr lang="en-US" sz="1800" dirty="0"/>
-            </a:br>
-            <a:br>
-              <a:rPr lang="en-US" sz="1800" dirty="0"/>
-            </a:br>
-            <a:br>
-              <a:rPr lang="en-US" sz="1800" dirty="0"/>
-            </a:br>
-            <a:endParaRPr lang="en-IN" sz="1800" dirty="0"/>
-          </a:p>
-        </p:txBody>
-      </p:sp>
-      <p:sp>
-        <p:nvSpPr>
-          <p:cNvPr id="3" name="TextBox 2">
-            <a:extLst>
-              <a:ext uri="{FF2B5EF4-FFF2-40B4-BE49-F238E27FC236}">
-                <a16:creationId xmlns:a16="http://schemas.microsoft.com/office/drawing/2014/main" id="{D8BA0A6B-AF8F-E8E6-518C-9D1C41486AE0}"/>
-              </a:ext>
-            </a:extLst>
-          </p:cNvPr>
-          <p:cNvSpPr txBox="1"/>
-          <p:nvPr/>
-        </p:nvSpPr>
-        <p:spPr>
-          <a:xfrm>
-            <a:off x="6314662" y="1336812"/>
-            <a:ext cx="5801139" cy="3416320"/>
-          </a:xfrm>
-          <a:prstGeom prst="rect">
-            <a:avLst/>
-          </a:prstGeom>
-          <a:noFill/>
-        </p:spPr>
-        <p:txBody>
-          <a:bodyPr wrap="square" rtlCol="0">
-            <a:spAutoFit/>
-          </a:bodyPr>
-          <a:lstStyle/>
-          <a:p>
-            <a:r>
-              <a:rPr lang="en-US" b="1" dirty="0"/>
-              <a:t>Pros</a:t>
-            </a:r>
-            <a:r>
-              <a:rPr lang="en-US" dirty="0"/>
-              <a:t> </a:t>
-            </a:r>
-          </a:p>
-          <a:p>
-            <a:r>
-              <a:rPr lang="en-US" dirty="0"/>
-              <a:t>*Saves vehicle battery by minimizing energy use.</a:t>
-            </a:r>
-          </a:p>
-          <a:p>
-            <a:r>
-              <a:rPr lang="en-US" dirty="0"/>
-              <a:t>*Meets strict task delay requirements.</a:t>
-            </a:r>
-          </a:p>
-          <a:p>
-            <a:r>
-              <a:rPr lang="en-US" dirty="0"/>
-              <a:t>*Considers mobility and network changes.</a:t>
-            </a:r>
-          </a:p>
-          <a:p>
-            <a:r>
-              <a:rPr lang="en-US" b="1" dirty="0"/>
-              <a:t>Cons</a:t>
-            </a:r>
-            <a:r>
-              <a:rPr lang="en-US" dirty="0"/>
-              <a:t> </a:t>
-            </a:r>
-          </a:p>
-          <a:p>
-            <a:r>
-              <a:rPr lang="en-US" dirty="0"/>
-              <a:t>*Ignores edge server power optimization.</a:t>
-            </a:r>
-          </a:p>
-          <a:p>
-            <a:r>
-              <a:rPr lang="en-US" dirty="0"/>
-              <a:t>*Higher computation cost for large networks.</a:t>
-            </a:r>
-          </a:p>
-          <a:p>
-            <a:r>
-              <a:rPr lang="en-US" dirty="0"/>
-              <a:t>*No profit/reward consideration.</a:t>
-            </a:r>
-          </a:p>
-          <a:p>
-            <a:endParaRPr lang="en-US" dirty="0"/>
-          </a:p>
-          <a:p>
-            <a:endParaRPr lang="en-US" dirty="0"/>
-          </a:p>
-          <a:p>
-            <a:endParaRPr lang="en-US" dirty="0"/>
-          </a:p>
-          <a:p>
-            <a:r>
-              <a:rPr lang="en-US" dirty="0"/>
-              <a:t>https://doi.org/10.1109/ACCESS.2019.2894257</a:t>
-            </a:r>
-          </a:p>
-        </p:txBody>
-      </p:sp>
-      <p:sp>
-        <p:nvSpPr>
-          <p:cNvPr id="6" name="TextBox 5">
-            <a:extLst>
-              <a:ext uri="{FF2B5EF4-FFF2-40B4-BE49-F238E27FC236}">
-                <a16:creationId xmlns:a16="http://schemas.microsoft.com/office/drawing/2014/main" id="{FED823C9-5DE4-FA78-C54C-F1B5A2191DEA}"/>
-              </a:ext>
-            </a:extLst>
-          </p:cNvPr>
-          <p:cNvSpPr txBox="1"/>
-          <p:nvPr/>
-        </p:nvSpPr>
-        <p:spPr>
-          <a:xfrm>
-            <a:off x="1333086" y="3273720"/>
-            <a:ext cx="4615484" cy="3416320"/>
-          </a:xfrm>
-          <a:prstGeom prst="rect">
-            <a:avLst/>
-          </a:prstGeom>
-          <a:noFill/>
-        </p:spPr>
-        <p:txBody>
-          <a:bodyPr wrap="square">
-            <a:spAutoFit/>
-          </a:bodyPr>
-          <a:lstStyle/>
-          <a:p>
-            <a:pPr marL="0" marR="0" lvl="0" indent="0" algn="l" defTabSz="914400" rtl="0" eaLnBrk="0" fontAlgn="base" latinLnBrk="0" hangingPunct="0">
-              <a:lnSpc>
-                <a:spcPct val="100000"/>
-              </a:lnSpc>
-              <a:spcBef>
-                <a:spcPct val="0"/>
-              </a:spcBef>
-              <a:spcAft>
-                <a:spcPct val="0"/>
-              </a:spcAft>
-              <a:buClrTx/>
-              <a:buSzTx/>
-              <a:buFontTx/>
-              <a:buNone/>
-              <a:tabLst/>
-            </a:pPr>
-            <a:endParaRPr kumimoji="0" lang="en-US" altLang="en-US" sz="1800" b="0" i="0" u="none" strike="noStrike" cap="none" normalizeH="0" baseline="0" dirty="0">
-              <a:ln>
-                <a:noFill/>
-              </a:ln>
-              <a:solidFill>
-                <a:schemeClr val="tx1"/>
-              </a:solidFill>
-              <a:effectLst/>
-              <a:latin typeface="Arial" panose="020B0604020202020204" pitchFamily="34" charset="0"/>
-            </a:endParaRPr>
-          </a:p>
-          <a:p>
-            <a:pPr marL="0" marR="0" lvl="0" indent="0" algn="l" defTabSz="914400" rtl="0" eaLnBrk="0" fontAlgn="base" latinLnBrk="0" hangingPunct="0">
-              <a:lnSpc>
-                <a:spcPct val="100000"/>
-              </a:lnSpc>
-              <a:spcBef>
-                <a:spcPct val="0"/>
-              </a:spcBef>
-              <a:spcAft>
-                <a:spcPct val="0"/>
-              </a:spcAft>
-              <a:buClrTx/>
-              <a:buSzTx/>
-              <a:buFontTx/>
-              <a:buNone/>
-              <a:tabLst/>
-            </a:pPr>
-            <a:endParaRPr lang="en-US" altLang="en-US" dirty="0">
-              <a:latin typeface="Arial" panose="020B0604020202020204" pitchFamily="34" charset="0"/>
-            </a:endParaRPr>
-          </a:p>
-          <a:p>
-            <a:pPr marL="0" marR="0" lvl="0" indent="0" algn="l" defTabSz="914400" rtl="0" eaLnBrk="0" fontAlgn="base" latinLnBrk="0" hangingPunct="0">
-              <a:lnSpc>
-                <a:spcPct val="100000"/>
-              </a:lnSpc>
-              <a:spcBef>
-                <a:spcPct val="0"/>
-              </a:spcBef>
-              <a:spcAft>
-                <a:spcPct val="0"/>
-              </a:spcAft>
-              <a:buClrTx/>
-              <a:buSzTx/>
-              <a:buFontTx/>
-              <a:buNone/>
-              <a:tabLst/>
-            </a:pPr>
-            <a:r>
-              <a:rPr kumimoji="0" lang="en-US" altLang="en-US" sz="1800" b="0" i="0" u="none" strike="noStrike" cap="none" normalizeH="0" baseline="0" dirty="0">
-                <a:ln>
-                  <a:noFill/>
-                </a:ln>
-                <a:solidFill>
-                  <a:schemeClr val="tx1"/>
-                </a:solidFill>
-                <a:effectLst/>
-                <a:latin typeface="Arial" panose="020B0604020202020204" pitchFamily="34" charset="0"/>
-              </a:rPr>
-              <a:t>The </a:t>
-            </a:r>
-            <a:r>
-              <a:rPr kumimoji="0" lang="en-US" altLang="en-US" sz="1800" b="1" i="0" u="none" strike="noStrike" cap="none" normalizeH="0" baseline="0" dirty="0">
-                <a:ln>
-                  <a:noFill/>
-                </a:ln>
-                <a:solidFill>
-                  <a:schemeClr val="tx1"/>
-                </a:solidFill>
-                <a:effectLst/>
-                <a:latin typeface="Arial" panose="020B0604020202020204" pitchFamily="34" charset="0"/>
-              </a:rPr>
-              <a:t>Energy-Aware Workload Offloading in Vehicular Edge Computing</a:t>
-            </a:r>
-            <a:r>
-              <a:rPr kumimoji="0" lang="en-US" altLang="en-US" sz="1800" b="0" i="0" u="none" strike="noStrike" cap="none" normalizeH="0" baseline="0" dirty="0">
-                <a:ln>
-                  <a:noFill/>
-                </a:ln>
-                <a:solidFill>
-                  <a:schemeClr val="tx1"/>
-                </a:solidFill>
-                <a:effectLst/>
-                <a:latin typeface="Arial" panose="020B0604020202020204" pitchFamily="34" charset="0"/>
-              </a:rPr>
-              <a:t> paper proposes a system that decides whether a vehicle’s task should run locally or be offloaded to a roadside edge server, aiming to </a:t>
-            </a:r>
-            <a:r>
-              <a:rPr kumimoji="0" lang="en-US" altLang="en-US" sz="1800" b="1" i="0" u="none" strike="noStrike" cap="none" normalizeH="0" baseline="0" dirty="0">
-                <a:ln>
-                  <a:noFill/>
-                </a:ln>
-                <a:solidFill>
-                  <a:schemeClr val="tx1"/>
-                </a:solidFill>
-                <a:effectLst/>
-                <a:latin typeface="Arial" panose="020B0604020202020204" pitchFamily="34" charset="0"/>
-              </a:rPr>
-              <a:t>minimize vehicle energy use</a:t>
-            </a:r>
-            <a:r>
-              <a:rPr kumimoji="0" lang="en-US" altLang="en-US" sz="1800" b="0" i="0" u="none" strike="noStrike" cap="none" normalizeH="0" baseline="0" dirty="0">
-                <a:ln>
-                  <a:noFill/>
-                </a:ln>
-                <a:solidFill>
-                  <a:schemeClr val="tx1"/>
-                </a:solidFill>
-                <a:effectLst/>
-                <a:latin typeface="Arial" panose="020B0604020202020204" pitchFamily="34" charset="0"/>
-              </a:rPr>
-              <a:t> while meeting </a:t>
-            </a:r>
-            <a:r>
-              <a:rPr kumimoji="0" lang="en-US" altLang="en-US" sz="1800" b="1" i="0" u="none" strike="noStrike" cap="none" normalizeH="0" baseline="0" dirty="0">
-                <a:ln>
-                  <a:noFill/>
-                </a:ln>
-                <a:solidFill>
-                  <a:schemeClr val="tx1"/>
-                </a:solidFill>
-                <a:effectLst/>
-                <a:latin typeface="Arial" panose="020B0604020202020204" pitchFamily="34" charset="0"/>
-              </a:rPr>
-              <a:t>strict delay limits</a:t>
-            </a:r>
-            <a:r>
-              <a:rPr kumimoji="0" lang="en-US" altLang="en-US" sz="1800" b="0" i="0" u="none" strike="noStrike" cap="none" normalizeH="0" baseline="0" dirty="0">
-                <a:ln>
-                  <a:noFill/>
-                </a:ln>
-                <a:solidFill>
-                  <a:schemeClr val="tx1"/>
-                </a:solidFill>
-                <a:effectLst/>
-                <a:latin typeface="Arial" panose="020B0604020202020204" pitchFamily="34" charset="0"/>
-              </a:rPr>
-              <a:t>.</a:t>
-            </a:r>
-            <a:br>
-              <a:rPr kumimoji="0" lang="en-US" altLang="en-US" sz="1800" b="0" i="0" u="none" strike="noStrike" cap="none" normalizeH="0" baseline="0" dirty="0">
-                <a:ln>
-                  <a:noFill/>
-                </a:ln>
-                <a:solidFill>
-                  <a:schemeClr val="tx1"/>
-                </a:solidFill>
-                <a:effectLst/>
-                <a:latin typeface="Arial" panose="020B0604020202020204" pitchFamily="34" charset="0"/>
-              </a:rPr>
-            </a:br>
-            <a:r>
-              <a:rPr kumimoji="0" lang="en-US" altLang="en-US" sz="1800" b="0" i="0" u="none" strike="noStrike" cap="none" normalizeH="0" baseline="0" dirty="0">
-                <a:ln>
-                  <a:noFill/>
-                </a:ln>
-                <a:solidFill>
-                  <a:schemeClr val="tx1"/>
-                </a:solidFill>
-                <a:effectLst/>
-                <a:latin typeface="Arial" panose="020B0604020202020204" pitchFamily="34" charset="0"/>
-              </a:rPr>
-              <a:t>It considers </a:t>
-            </a:r>
-            <a:r>
-              <a:rPr kumimoji="0" lang="en-US" altLang="en-US" sz="1800" b="1" i="0" u="none" strike="noStrike" cap="none" normalizeH="0" baseline="0" dirty="0">
-                <a:ln>
-                  <a:noFill/>
-                </a:ln>
-                <a:solidFill>
-                  <a:schemeClr val="tx1"/>
-                </a:solidFill>
-                <a:effectLst/>
-                <a:latin typeface="Arial" panose="020B0604020202020204" pitchFamily="34" charset="0"/>
-              </a:rPr>
-              <a:t>mobility</a:t>
-            </a:r>
-            <a:r>
-              <a:rPr kumimoji="0" lang="en-US" altLang="en-US" sz="1800" b="0" i="0" u="none" strike="noStrike" cap="none" normalizeH="0" baseline="0" dirty="0">
-                <a:ln>
-                  <a:noFill/>
-                </a:ln>
-                <a:solidFill>
-                  <a:schemeClr val="tx1"/>
-                </a:solidFill>
-                <a:effectLst/>
-                <a:latin typeface="Arial" panose="020B0604020202020204" pitchFamily="34" charset="0"/>
-              </a:rPr>
-              <a:t>, </a:t>
-            </a:r>
-            <a:r>
-              <a:rPr kumimoji="0" lang="en-US" altLang="en-US" sz="1800" b="1" i="0" u="none" strike="noStrike" cap="none" normalizeH="0" baseline="0" dirty="0">
-                <a:ln>
-                  <a:noFill/>
-                </a:ln>
-                <a:solidFill>
-                  <a:schemeClr val="tx1"/>
-                </a:solidFill>
-                <a:effectLst/>
-                <a:latin typeface="Arial" panose="020B0604020202020204" pitchFamily="34" charset="0"/>
-              </a:rPr>
-              <a:t>network quality</a:t>
-            </a:r>
-            <a:r>
-              <a:rPr kumimoji="0" lang="en-US" altLang="en-US" sz="1800" b="0" i="0" u="none" strike="noStrike" cap="none" normalizeH="0" baseline="0" dirty="0">
-                <a:ln>
-                  <a:noFill/>
-                </a:ln>
-                <a:solidFill>
-                  <a:schemeClr val="tx1"/>
-                </a:solidFill>
-                <a:effectLst/>
-                <a:latin typeface="Arial" panose="020B0604020202020204" pitchFamily="34" charset="0"/>
-              </a:rPr>
-              <a:t>, and </a:t>
-            </a:r>
-            <a:r>
-              <a:rPr kumimoji="0" lang="en-US" altLang="en-US" sz="1800" b="1" i="0" u="none" strike="noStrike" cap="none" normalizeH="0" baseline="0" dirty="0">
-                <a:ln>
-                  <a:noFill/>
-                </a:ln>
-                <a:solidFill>
-                  <a:schemeClr val="tx1"/>
-                </a:solidFill>
-                <a:effectLst/>
-                <a:latin typeface="Arial" panose="020B0604020202020204" pitchFamily="34" charset="0"/>
-              </a:rPr>
-              <a:t>server resources</a:t>
-            </a:r>
-            <a:r>
-              <a:rPr kumimoji="0" lang="en-US" altLang="en-US" sz="1800" b="0" i="0" u="none" strike="noStrike" cap="none" normalizeH="0" baseline="0" dirty="0">
-                <a:ln>
-                  <a:noFill/>
-                </a:ln>
-                <a:solidFill>
-                  <a:schemeClr val="tx1"/>
-                </a:solidFill>
-                <a:effectLst/>
-                <a:latin typeface="Arial" panose="020B0604020202020204" pitchFamily="34" charset="0"/>
-              </a:rPr>
-              <a:t> to offload only energy-saving tasks without deadline violations.</a:t>
-            </a:r>
-          </a:p>
-        </p:txBody>
-      </p:sp>
-    </p:spTree>
-    <p:extLst>
-      <p:ext uri="{BB962C8B-B14F-4D97-AF65-F5344CB8AC3E}">
-        <p14:creationId xmlns:p14="http://schemas.microsoft.com/office/powerpoint/2010/main" val="1814607275"/>
-      </p:ext>
-    </p:extLst>
-  </p:cSld>
-  <p:clrMapOvr>
-    <a:masterClrMapping/>
-  </p:clrMapOvr>
-</p:sld>
-</file>
-
-<file path=ppt/slides/slide17.xml><?xml version="1.0" encoding="utf-8"?>
-<p:sld xmlns:a="http://schemas.openxmlformats.org/drawingml/2006/main" xmlns:r="http://schemas.openxmlformats.org/officeDocument/2006/relationships" xmlns:p="http://schemas.openxmlformats.org/presentationml/2006/main">
-  <p:cSld>
-    <p:spTree>
-      <p:nvGrpSpPr>
-        <p:cNvPr id="1" name=""/>
-        <p:cNvGrpSpPr/>
-        <p:nvPr/>
-      </p:nvGrpSpPr>
-      <p:grpSpPr>
-        <a:xfrm>
-          <a:off x="0" y="0"/>
-          <a:ext cx="0" cy="0"/>
-          <a:chOff x="0" y="0"/>
-          <a:chExt cx="0" cy="0"/>
-        </a:xfrm>
-      </p:grpSpPr>
-      <p:sp>
-        <p:nvSpPr>
-          <p:cNvPr id="2" name="Title 1">
-            <a:extLst>
-              <a:ext uri="{FF2B5EF4-FFF2-40B4-BE49-F238E27FC236}">
                 <a16:creationId xmlns:a16="http://schemas.microsoft.com/office/drawing/2014/main" id="{4DDE15BF-5B8D-A071-E769-FE26FAB604A3}"/>
               </a:ext>
             </a:extLst>
@@ -6456,7 +6067,7 @@
 </p:sld>
 </file>
 
-<file path=ppt/slides/slide18.xml><?xml version="1.0" encoding="utf-8"?>
+<file path=ppt/slides/slide17.xml><?xml version="1.0" encoding="utf-8"?>
 <p:sld xmlns:a="http://schemas.openxmlformats.org/drawingml/2006/main" xmlns:r="http://schemas.openxmlformats.org/officeDocument/2006/relationships" xmlns:p="http://schemas.openxmlformats.org/presentationml/2006/main">
   <p:cSld>
     <p:spTree>
@@ -6860,7 +6471,7 @@
 </p:sld>
 </file>
 
-<file path=ppt/slides/slide19.xml><?xml version="1.0" encoding="utf-8"?>
+<file path=ppt/slides/slide18.xml><?xml version="1.0" encoding="utf-8"?>
 <p:sld xmlns:a="http://schemas.openxmlformats.org/drawingml/2006/main" xmlns:r="http://schemas.openxmlformats.org/officeDocument/2006/relationships" xmlns:p="http://schemas.openxmlformats.org/presentationml/2006/main">
   <p:cSld>
     <p:spTree>
@@ -6925,121 +6536,7 @@
 </p:sld>
 </file>
 
-<file path=ppt/slides/slide2.xml><?xml version="1.0" encoding="utf-8"?>
-<p:sld xmlns:a="http://schemas.openxmlformats.org/drawingml/2006/main" xmlns:r="http://schemas.openxmlformats.org/officeDocument/2006/relationships" xmlns:p="http://schemas.openxmlformats.org/presentationml/2006/main">
-  <p:cSld>
-    <p:bg>
-      <p:bgPr>
-        <a:solidFill>
-          <a:schemeClr val="accent2"/>
-        </a:solidFill>
-        <a:effectLst/>
-      </p:bgPr>
-    </p:bg>
-    <p:spTree>
-      <p:nvGrpSpPr>
-        <p:cNvPr id="1" name=""/>
-        <p:cNvGrpSpPr/>
-        <p:nvPr/>
-      </p:nvGrpSpPr>
-      <p:grpSpPr>
-        <a:xfrm>
-          <a:off x="0" y="0"/>
-          <a:ext cx="0" cy="0"/>
-          <a:chOff x="0" y="0"/>
-          <a:chExt cx="0" cy="0"/>
-        </a:xfrm>
-      </p:grpSpPr>
-      <p:sp>
-        <p:nvSpPr>
-          <p:cNvPr id="2" name="Title 1">
-            <a:extLst>
-              <a:ext uri="{FF2B5EF4-FFF2-40B4-BE49-F238E27FC236}">
-                <a16:creationId xmlns:a16="http://schemas.microsoft.com/office/drawing/2014/main" id="{60722DD6-F512-26F3-A86D-DF4AF2256ED0}"/>
-              </a:ext>
-            </a:extLst>
-          </p:cNvPr>
-          <p:cNvSpPr>
-            <a:spLocks noGrp="1"/>
-          </p:cNvSpPr>
-          <p:nvPr>
-            <p:ph type="ctrTitle"/>
-          </p:nvPr>
-        </p:nvSpPr>
-        <p:spPr>
-          <a:xfrm>
-            <a:off x="1554480" y="2871216"/>
-            <a:ext cx="9052560" cy="2523744"/>
-          </a:xfrm>
-        </p:spPr>
-        <p:txBody>
-          <a:bodyPr/>
-          <a:lstStyle/>
-          <a:p>
-            <a:pPr algn="ctr"/>
-            <a:r>
-              <a:rPr lang="en-US" dirty="0"/>
-              <a:t>                 Problem </a:t>
-            </a:r>
-            <a:br>
-              <a:rPr lang="en-US" dirty="0"/>
-            </a:br>
-            <a:r>
-              <a:rPr lang="en-US" dirty="0"/>
-              <a:t>                        Justification</a:t>
-            </a:r>
-          </a:p>
-        </p:txBody>
-      </p:sp>
-      <p:sp>
-        <p:nvSpPr>
-          <p:cNvPr id="3" name="Subtitle 2">
-            <a:extLst>
-              <a:ext uri="{FF2B5EF4-FFF2-40B4-BE49-F238E27FC236}">
-                <a16:creationId xmlns:a16="http://schemas.microsoft.com/office/drawing/2014/main" id="{1668B0FA-B731-5A4B-D795-1F3C45DC9C54}"/>
-              </a:ext>
-            </a:extLst>
-          </p:cNvPr>
-          <p:cNvSpPr>
-            <a:spLocks noGrp="1"/>
-          </p:cNvSpPr>
-          <p:nvPr>
-            <p:ph type="subTitle" idx="1"/>
-          </p:nvPr>
-        </p:nvSpPr>
-        <p:spPr>
-          <a:xfrm>
-            <a:off x="1554480" y="1554480"/>
-            <a:ext cx="9052560" cy="1097280"/>
-          </a:xfrm>
-        </p:spPr>
-        <p:txBody>
-          <a:bodyPr>
-            <a:normAutofit/>
-          </a:bodyPr>
-          <a:lstStyle/>
-          <a:p>
-            <a:r>
-              <a:rPr lang="en-US" dirty="0"/>
-              <a:t>Understanding the idea</a:t>
-            </a:r>
-          </a:p>
-        </p:txBody>
-      </p:sp>
-    </p:spTree>
-    <p:extLst>
-      <p:ext uri="{BB962C8B-B14F-4D97-AF65-F5344CB8AC3E}">
-        <p14:creationId xmlns:p14="http://schemas.microsoft.com/office/powerpoint/2010/main" val="2078675845"/>
-      </p:ext>
-    </p:extLst>
-  </p:cSld>
-  <p:clrMapOvr>
-    <a:masterClrMapping/>
-  </p:clrMapOvr>
-</p:sld>
-</file>
-
-<file path=ppt/slides/slide20.xml><?xml version="1.0" encoding="utf-8"?>
+<file path=ppt/slides/slide19.xml><?xml version="1.0" encoding="utf-8"?>
 <p:sld xmlns:a="http://schemas.openxmlformats.org/drawingml/2006/main" xmlns:r="http://schemas.openxmlformats.org/officeDocument/2006/relationships" xmlns:p="http://schemas.openxmlformats.org/presentationml/2006/main">
   <p:cSld>
     <p:spTree>
@@ -7248,7 +6745,121 @@
 </p:sld>
 </file>
 
-<file path=ppt/slides/slide21.xml><?xml version="1.0" encoding="utf-8"?>
+<file path=ppt/slides/slide2.xml><?xml version="1.0" encoding="utf-8"?>
+<p:sld xmlns:a="http://schemas.openxmlformats.org/drawingml/2006/main" xmlns:r="http://schemas.openxmlformats.org/officeDocument/2006/relationships" xmlns:p="http://schemas.openxmlformats.org/presentationml/2006/main">
+  <p:cSld>
+    <p:bg>
+      <p:bgPr>
+        <a:solidFill>
+          <a:schemeClr val="accent2"/>
+        </a:solidFill>
+        <a:effectLst/>
+      </p:bgPr>
+    </p:bg>
+    <p:spTree>
+      <p:nvGrpSpPr>
+        <p:cNvPr id="1" name=""/>
+        <p:cNvGrpSpPr/>
+        <p:nvPr/>
+      </p:nvGrpSpPr>
+      <p:grpSpPr>
+        <a:xfrm>
+          <a:off x="0" y="0"/>
+          <a:ext cx="0" cy="0"/>
+          <a:chOff x="0" y="0"/>
+          <a:chExt cx="0" cy="0"/>
+        </a:xfrm>
+      </p:grpSpPr>
+      <p:sp>
+        <p:nvSpPr>
+          <p:cNvPr id="2" name="Title 1">
+            <a:extLst>
+              <a:ext uri="{FF2B5EF4-FFF2-40B4-BE49-F238E27FC236}">
+                <a16:creationId xmlns:a16="http://schemas.microsoft.com/office/drawing/2014/main" id="{60722DD6-F512-26F3-A86D-DF4AF2256ED0}"/>
+              </a:ext>
+            </a:extLst>
+          </p:cNvPr>
+          <p:cNvSpPr>
+            <a:spLocks noGrp="1"/>
+          </p:cNvSpPr>
+          <p:nvPr>
+            <p:ph type="ctrTitle"/>
+          </p:nvPr>
+        </p:nvSpPr>
+        <p:spPr>
+          <a:xfrm>
+            <a:off x="1554480" y="2871216"/>
+            <a:ext cx="9052560" cy="2523744"/>
+          </a:xfrm>
+        </p:spPr>
+        <p:txBody>
+          <a:bodyPr/>
+          <a:lstStyle/>
+          <a:p>
+            <a:pPr algn="ctr"/>
+            <a:r>
+              <a:rPr lang="en-US" dirty="0"/>
+              <a:t>                 Problem </a:t>
+            </a:r>
+            <a:br>
+              <a:rPr lang="en-US" dirty="0"/>
+            </a:br>
+            <a:r>
+              <a:rPr lang="en-US" dirty="0"/>
+              <a:t>                        Justification</a:t>
+            </a:r>
+          </a:p>
+        </p:txBody>
+      </p:sp>
+      <p:sp>
+        <p:nvSpPr>
+          <p:cNvPr id="3" name="Subtitle 2">
+            <a:extLst>
+              <a:ext uri="{FF2B5EF4-FFF2-40B4-BE49-F238E27FC236}">
+                <a16:creationId xmlns:a16="http://schemas.microsoft.com/office/drawing/2014/main" id="{1668B0FA-B731-5A4B-D795-1F3C45DC9C54}"/>
+              </a:ext>
+            </a:extLst>
+          </p:cNvPr>
+          <p:cNvSpPr>
+            <a:spLocks noGrp="1"/>
+          </p:cNvSpPr>
+          <p:nvPr>
+            <p:ph type="subTitle" idx="1"/>
+          </p:nvPr>
+        </p:nvSpPr>
+        <p:spPr>
+          <a:xfrm>
+            <a:off x="1554480" y="1554480"/>
+            <a:ext cx="9052560" cy="1097280"/>
+          </a:xfrm>
+        </p:spPr>
+        <p:txBody>
+          <a:bodyPr>
+            <a:normAutofit/>
+          </a:bodyPr>
+          <a:lstStyle/>
+          <a:p>
+            <a:r>
+              <a:rPr lang="en-US" dirty="0"/>
+              <a:t>Understanding the idea</a:t>
+            </a:r>
+          </a:p>
+        </p:txBody>
+      </p:sp>
+    </p:spTree>
+    <p:extLst>
+      <p:ext uri="{BB962C8B-B14F-4D97-AF65-F5344CB8AC3E}">
+        <p14:creationId xmlns:p14="http://schemas.microsoft.com/office/powerpoint/2010/main" val="2078675845"/>
+      </p:ext>
+    </p:extLst>
+  </p:cSld>
+  <p:clrMapOvr>
+    <a:masterClrMapping/>
+  </p:clrMapOvr>
+</p:sld>
+</file>
+
+<file path=ppt/slides/slide20.xml><?xml version="1.0" encoding="utf-8"?>
 <p:sld xmlns:a="http://schemas.openxmlformats.org/drawingml/2006/main" xmlns:r="http://schemas.openxmlformats.org/officeDocument/2006/relationships" xmlns:p="http://schemas.openxmlformats.org/presentationml/2006/main">
   <p:cSld>
     <p:bg>
@@ -8873,26 +8484,6 @@
 </file>
 
 <file path=customXml/item1.xml><?xml version="1.0" encoding="utf-8"?>
-<p:properties xmlns:p="http://schemas.microsoft.com/office/2006/metadata/properties" xmlns:xsi="http://www.w3.org/2001/XMLSchema-instance" xmlns:pc="http://schemas.microsoft.com/office/infopath/2007/PartnerControls">
-  <documentManagement>
-    <MediaServiceKeyPoints xmlns="71af3243-3dd4-4a8d-8c0d-dd76da1f02a5" xsi:nil="true"/>
-    <_ip_UnifiedCompliancePolicyUIAction xmlns="http://schemas.microsoft.com/sharepoint/v3" xsi:nil="true"/>
-    <Image xmlns="71af3243-3dd4-4a8d-8c0d-dd76da1f02a5">
-      <Url xsi:nil="true"/>
-      <Description xsi:nil="true"/>
-    </Image>
-    <Status xmlns="71af3243-3dd4-4a8d-8c0d-dd76da1f02a5">Not started</Status>
-    <Background xmlns="71af3243-3dd4-4a8d-8c0d-dd76da1f02a5">false</Background>
-    <_ip_UnifiedCompliancePolicyProperties xmlns="http://schemas.microsoft.com/sharepoint/v3" xsi:nil="true"/>
-    <ImageTagsTaxHTField xmlns="71af3243-3dd4-4a8d-8c0d-dd76da1f02a5">
-      <Terms xmlns="http://schemas.microsoft.com/office/infopath/2007/PartnerControls"/>
-    </ImageTagsTaxHTField>
-    <TaxCatchAll xmlns="230e9df3-be65-4c73-a93b-d1236ebd677e" xsi:nil="true"/>
-  </documentManagement>
-</p:properties>
-</file>
-
-<file path=customXml/item2.xml><?xml version="1.0" encoding="utf-8"?>
 <ct:contentTypeSchema xmlns:ct="http://schemas.microsoft.com/office/2006/metadata/contentType" xmlns:ma="http://schemas.microsoft.com/office/2006/metadata/properties/metaAttributes" ct:_="" ma:_="" ma:contentTypeName="Document" ma:contentTypeID="0x01010079F111ED35F8CC479449609E8A0923A6" ma:contentTypeVersion="30" ma:contentTypeDescription="Create a new document." ma:contentTypeScope="" ma:versionID="cec0622158e8f13124e9e8fd4de31bd1">
   <xsd:schema xmlns:xsd="http://www.w3.org/2001/XMLSchema" xmlns:xs="http://www.w3.org/2001/XMLSchema" xmlns:p="http://schemas.microsoft.com/office/2006/metadata/properties" xmlns:ns1="http://schemas.microsoft.com/sharepoint/v3" xmlns:ns2="71af3243-3dd4-4a8d-8c0d-dd76da1f02a5" xmlns:ns3="16c05727-aa75-4e4a-9b5f-8a80a1165891" xmlns:ns4="230e9df3-be65-4c73-a93b-d1236ebd677e" targetNamespace="http://schemas.microsoft.com/office/2006/metadata/properties" ma:root="true" ma:fieldsID="3b52f30ab005d15df08657af532e6e38" ns1:_="" ns2:_="" ns3:_="" ns4:_="">
     <xsd:import namespace="http://schemas.microsoft.com/sharepoint/v3"/>
@@ -9210,6 +8801,26 @@
 </ct:contentTypeSchema>
 </file>
 
+<file path=customXml/item2.xml><?xml version="1.0" encoding="utf-8"?>
+<p:properties xmlns:p="http://schemas.microsoft.com/office/2006/metadata/properties" xmlns:xsi="http://www.w3.org/2001/XMLSchema-instance" xmlns:pc="http://schemas.microsoft.com/office/infopath/2007/PartnerControls">
+  <documentManagement>
+    <MediaServiceKeyPoints xmlns="71af3243-3dd4-4a8d-8c0d-dd76da1f02a5" xsi:nil="true"/>
+    <_ip_UnifiedCompliancePolicyUIAction xmlns="http://schemas.microsoft.com/sharepoint/v3" xsi:nil="true"/>
+    <Image xmlns="71af3243-3dd4-4a8d-8c0d-dd76da1f02a5">
+      <Url xsi:nil="true"/>
+      <Description xsi:nil="true"/>
+    </Image>
+    <Status xmlns="71af3243-3dd4-4a8d-8c0d-dd76da1f02a5">Not started</Status>
+    <Background xmlns="71af3243-3dd4-4a8d-8c0d-dd76da1f02a5">false</Background>
+    <_ip_UnifiedCompliancePolicyProperties xmlns="http://schemas.microsoft.com/sharepoint/v3" xsi:nil="true"/>
+    <ImageTagsTaxHTField xmlns="71af3243-3dd4-4a8d-8c0d-dd76da1f02a5">
+      <Terms xmlns="http://schemas.microsoft.com/office/infopath/2007/PartnerControls"/>
+    </ImageTagsTaxHTField>
+    <TaxCatchAll xmlns="230e9df3-be65-4c73-a93b-d1236ebd677e" xsi:nil="true"/>
+  </documentManagement>
+</p:properties>
+</file>
+
 <file path=customXml/item3.xml><?xml version="1.0" encoding="utf-8"?>
 <?mso-contentType ?>
 <FormTemplates xmlns="http://schemas.microsoft.com/sharepoint/v3/contenttype/forms">
@@ -9220,18 +8831,6 @@
 </file>
 
 <file path=customXml/itemProps1.xml><?xml version="1.0" encoding="utf-8"?>
-<ds:datastoreItem xmlns:ds="http://schemas.openxmlformats.org/officeDocument/2006/customXml" ds:itemID="{3FD9A38F-9A2C-42E5-9013-4C4B1FFCB4F6}">
-  <ds:schemaRefs>
-    <ds:schemaRef ds:uri="http://schemas.microsoft.com/office/2006/metadata/properties"/>
-    <ds:schemaRef ds:uri="http://schemas.microsoft.com/office/infopath/2007/PartnerControls"/>
-    <ds:schemaRef ds:uri="71af3243-3dd4-4a8d-8c0d-dd76da1f02a5"/>
-    <ds:schemaRef ds:uri="http://schemas.microsoft.com/sharepoint/v3"/>
-    <ds:schemaRef ds:uri="230e9df3-be65-4c73-a93b-d1236ebd677e"/>
-  </ds:schemaRefs>
-</ds:datastoreItem>
-</file>
-
-<file path=customXml/itemProps2.xml><?xml version="1.0" encoding="utf-8"?>
 <ds:datastoreItem xmlns:ds="http://schemas.openxmlformats.org/officeDocument/2006/customXml" ds:itemID="{648BEDAE-AC7E-4F41-A2BD-A46A86095881}">
   <ds:schemaRefs>
     <ds:schemaRef ds:uri="http://schemas.microsoft.com/office/2006/metadata/contentType"/>
@@ -9252,6 +8851,18 @@
 </ds:datastoreItem>
 </file>
 
+<file path=customXml/itemProps2.xml><?xml version="1.0" encoding="utf-8"?>
+<ds:datastoreItem xmlns:ds="http://schemas.openxmlformats.org/officeDocument/2006/customXml" ds:itemID="{3FD9A38F-9A2C-42E5-9013-4C4B1FFCB4F6}">
+  <ds:schemaRefs>
+    <ds:schemaRef ds:uri="http://schemas.microsoft.com/office/2006/metadata/properties"/>
+    <ds:schemaRef ds:uri="http://schemas.microsoft.com/office/infopath/2007/PartnerControls"/>
+    <ds:schemaRef ds:uri="71af3243-3dd4-4a8d-8c0d-dd76da1f02a5"/>
+    <ds:schemaRef ds:uri="http://schemas.microsoft.com/sharepoint/v3"/>
+    <ds:schemaRef ds:uri="230e9df3-be65-4c73-a93b-d1236ebd677e"/>
+  </ds:schemaRefs>
+</ds:datastoreItem>
+</file>
+
 <file path=customXml/itemProps3.xml><?xml version="1.0" encoding="utf-8"?>
 <ds:datastoreItem xmlns:ds="http://schemas.openxmlformats.org/officeDocument/2006/customXml" ds:itemID="{8C45FB24-BEC6-4D44-888B-84AEBBA2DC09}">
   <ds:schemaRefs>
